--- a/NotesAndSlides/CIS399Wk3Day2-ListViews.pptx
+++ b/NotesAndSlides/CIS399Wk3Day2-ListViews.pptx
@@ -5,7 +5,7 @@
     <p:sldMasterId id="2147483648" r:id="rId1"/>
   </p:sldMasterIdLst>
   <p:notesMasterIdLst>
-    <p:notesMasterId r:id="rId26"/>
+    <p:notesMasterId r:id="rId32"/>
   </p:notesMasterIdLst>
   <p:sldIdLst>
     <p:sldId id="269" r:id="rId2"/>
@@ -25,13 +25,19 @@
     <p:sldId id="376" r:id="rId16"/>
     <p:sldId id="375" r:id="rId17"/>
     <p:sldId id="373" r:id="rId18"/>
-    <p:sldId id="377" r:id="rId19"/>
-    <p:sldId id="378" r:id="rId20"/>
-    <p:sldId id="382" r:id="rId21"/>
-    <p:sldId id="383" r:id="rId22"/>
-    <p:sldId id="385" r:id="rId23"/>
-    <p:sldId id="387" r:id="rId24"/>
-    <p:sldId id="392" r:id="rId25"/>
+    <p:sldId id="394" r:id="rId19"/>
+    <p:sldId id="377" r:id="rId20"/>
+    <p:sldId id="378" r:id="rId21"/>
+    <p:sldId id="395" r:id="rId22"/>
+    <p:sldId id="396" r:id="rId23"/>
+    <p:sldId id="397" r:id="rId24"/>
+    <p:sldId id="399" r:id="rId25"/>
+    <p:sldId id="398" r:id="rId26"/>
+    <p:sldId id="382" r:id="rId27"/>
+    <p:sldId id="383" r:id="rId28"/>
+    <p:sldId id="385" r:id="rId29"/>
+    <p:sldId id="387" r:id="rId30"/>
+    <p:sldId id="392" r:id="rId31"/>
   </p:sldIdLst>
   <p:sldSz cx="9144000" cy="6858000" type="screen4x3"/>
   <p:notesSz cx="6858000" cy="9144000"/>
@@ -231,7 +237,7 @@
           <a:p>
             <a:fld id="{1FC32AA1-1225-9048-80C3-2B6F58548154}" type="datetimeFigureOut">
               <a:rPr lang="en-US" smtClean="0"/>
-              <a:t>7/11/18</a:t>
+              <a:t>7/12/18</a:t>
             </a:fld>
             <a:endParaRPr lang="en-US"/>
           </a:p>
@@ -609,6 +615,660 @@
 </p:notes>
 </file>
 
+<file path=ppt/notesSlides/notesSlide10.xml><?xml version="1.0" encoding="utf-8"?>
+<p:notes xmlns:a="http://schemas.openxmlformats.org/drawingml/2006/main" xmlns:r="http://schemas.openxmlformats.org/officeDocument/2006/relationships" xmlns:p="http://schemas.openxmlformats.org/presentationml/2006/main">
+  <p:cSld>
+    <p:spTree>
+      <p:nvGrpSpPr>
+        <p:cNvPr id="1" name=""/>
+        <p:cNvGrpSpPr/>
+        <p:nvPr/>
+      </p:nvGrpSpPr>
+      <p:grpSpPr>
+        <a:xfrm>
+          <a:off x="0" y="0"/>
+          <a:ext cx="0" cy="0"/>
+          <a:chOff x="0" y="0"/>
+          <a:chExt cx="0" cy="0"/>
+        </a:xfrm>
+      </p:grpSpPr>
+      <p:sp>
+        <p:nvSpPr>
+          <p:cNvPr id="2" name="Slide Image Placeholder 1"/>
+          <p:cNvSpPr>
+            <a:spLocks noGrp="1" noRot="1" noChangeAspect="1"/>
+          </p:cNvSpPr>
+          <p:nvPr>
+            <p:ph type="sldImg"/>
+          </p:nvPr>
+        </p:nvSpPr>
+        <p:spPr/>
+      </p:sp>
+      <p:sp>
+        <p:nvSpPr>
+          <p:cNvPr id="3" name="Notes Placeholder 2"/>
+          <p:cNvSpPr>
+            <a:spLocks noGrp="1"/>
+          </p:cNvSpPr>
+          <p:nvPr>
+            <p:ph type="body" idx="1"/>
+          </p:nvPr>
+        </p:nvSpPr>
+        <p:spPr/>
+        <p:txBody>
+          <a:bodyPr/>
+          <a:lstStyle/>
+          <a:p>
+            <a:r>
+              <a:rPr lang="en-US" dirty="0"/>
+              <a:t>https://</a:t>
+            </a:r>
+            <a:r>
+              <a:rPr lang="en-US" dirty="0" err="1"/>
+              <a:t>developer.android.com</a:t>
+            </a:r>
+            <a:r>
+              <a:rPr lang="en-US" dirty="0"/>
+              <a:t>/reference/android/widget/</a:t>
+            </a:r>
+            <a:r>
+              <a:rPr lang="en-US" dirty="0" err="1"/>
+              <a:t>SimpleAdapter.html#SimpleAdapter</a:t>
+            </a:r>
+            <a:r>
+              <a:rPr lang="en-US" dirty="0"/>
+              <a:t>(</a:t>
+            </a:r>
+            <a:r>
+              <a:rPr lang="en-US" dirty="0" err="1"/>
+              <a:t>android.content.Context</a:t>
+            </a:r>
+            <a:r>
+              <a:rPr lang="en-US" dirty="0"/>
+              <a:t>, </a:t>
+            </a:r>
+            <a:r>
+              <a:rPr lang="en-US" dirty="0" err="1"/>
+              <a:t>java.util.List</a:t>
+            </a:r>
+            <a:r>
+              <a:rPr lang="en-US" dirty="0"/>
+              <a:t>&lt;? extends </a:t>
+            </a:r>
+            <a:r>
+              <a:rPr lang="en-US" dirty="0" err="1"/>
+              <a:t>java.util.Map</a:t>
+            </a:r>
+            <a:r>
+              <a:rPr lang="en-US" dirty="0"/>
+              <a:t>&lt;</a:t>
+            </a:r>
+            <a:r>
+              <a:rPr lang="en-US" dirty="0" err="1"/>
+              <a:t>java.lang.String</a:t>
+            </a:r>
+            <a:r>
+              <a:rPr lang="en-US" dirty="0"/>
+              <a:t>, ?&gt;&gt;, int, </a:t>
+            </a:r>
+            <a:r>
+              <a:rPr lang="en-US" dirty="0" err="1"/>
+              <a:t>java.lang.String</a:t>
+            </a:r>
+            <a:r>
+              <a:rPr lang="en-US" dirty="0"/>
+              <a:t>[], int[])</a:t>
+            </a:r>
+          </a:p>
+        </p:txBody>
+      </p:sp>
+      <p:sp>
+        <p:nvSpPr>
+          <p:cNvPr id="4" name="Slide Number Placeholder 3"/>
+          <p:cNvSpPr>
+            <a:spLocks noGrp="1"/>
+          </p:cNvSpPr>
+          <p:nvPr>
+            <p:ph type="sldNum" sz="quarter" idx="10"/>
+          </p:nvPr>
+        </p:nvSpPr>
+        <p:spPr/>
+        <p:txBody>
+          <a:bodyPr/>
+          <a:lstStyle/>
+          <a:p>
+            <a:fld id="{44EB6C7D-DFD8-944D-93E3-D07F7EBDDEA8}" type="slidenum">
+              <a:rPr lang="en-US" smtClean="0"/>
+              <a:t>20</a:t>
+            </a:fld>
+            <a:endParaRPr lang="en-US"/>
+          </a:p>
+        </p:txBody>
+      </p:sp>
+    </p:spTree>
+    <p:extLst>
+      <p:ext uri="{BB962C8B-B14F-4D97-AF65-F5344CB8AC3E}">
+        <p14:creationId xmlns:p14="http://schemas.microsoft.com/office/powerpoint/2010/main" val="1717814734"/>
+      </p:ext>
+    </p:extLst>
+  </p:cSld>
+  <p:clrMapOvr>
+    <a:masterClrMapping/>
+  </p:clrMapOvr>
+</p:notes>
+</file>
+
+<file path=ppt/notesSlides/notesSlide11.xml><?xml version="1.0" encoding="utf-8"?>
+<p:notes xmlns:a="http://schemas.openxmlformats.org/drawingml/2006/main" xmlns:r="http://schemas.openxmlformats.org/officeDocument/2006/relationships" xmlns:p="http://schemas.openxmlformats.org/presentationml/2006/main">
+  <p:cSld>
+    <p:spTree>
+      <p:nvGrpSpPr>
+        <p:cNvPr id="1" name=""/>
+        <p:cNvGrpSpPr/>
+        <p:nvPr/>
+      </p:nvGrpSpPr>
+      <p:grpSpPr>
+        <a:xfrm>
+          <a:off x="0" y="0"/>
+          <a:ext cx="0" cy="0"/>
+          <a:chOff x="0" y="0"/>
+          <a:chExt cx="0" cy="0"/>
+        </a:xfrm>
+      </p:grpSpPr>
+      <p:sp>
+        <p:nvSpPr>
+          <p:cNvPr id="2" name="Slide Image Placeholder 1"/>
+          <p:cNvSpPr>
+            <a:spLocks noGrp="1" noRot="1" noChangeAspect="1"/>
+          </p:cNvSpPr>
+          <p:nvPr>
+            <p:ph type="sldImg"/>
+          </p:nvPr>
+        </p:nvSpPr>
+        <p:spPr/>
+      </p:sp>
+      <p:sp>
+        <p:nvSpPr>
+          <p:cNvPr id="3" name="Notes Placeholder 2"/>
+          <p:cNvSpPr>
+            <a:spLocks noGrp="1"/>
+          </p:cNvSpPr>
+          <p:nvPr>
+            <p:ph type="body" idx="1"/>
+          </p:nvPr>
+        </p:nvSpPr>
+        <p:spPr/>
+        <p:txBody>
+          <a:bodyPr/>
+          <a:lstStyle/>
+          <a:p>
+            <a:r>
+              <a:rPr lang="en-US" dirty="0"/>
+              <a:t>From https://</a:t>
+            </a:r>
+            <a:r>
+              <a:rPr lang="en-US" dirty="0" err="1"/>
+              <a:t>github.com</a:t>
+            </a:r>
+            <a:r>
+              <a:rPr lang="en-US" dirty="0"/>
+              <a:t>/UO-CIS/CIS399AndroidDemos/tree/master/</a:t>
+            </a:r>
+            <a:r>
+              <a:rPr lang="en-US" dirty="0" err="1"/>
+              <a:t>WeatherForecast-SAX+ListView</a:t>
+            </a:r>
+            <a:endParaRPr lang="en-US" dirty="0"/>
+          </a:p>
+        </p:txBody>
+      </p:sp>
+      <p:sp>
+        <p:nvSpPr>
+          <p:cNvPr id="4" name="Slide Number Placeholder 3"/>
+          <p:cNvSpPr>
+            <a:spLocks noGrp="1"/>
+          </p:cNvSpPr>
+          <p:nvPr>
+            <p:ph type="sldNum" sz="quarter" idx="10"/>
+          </p:nvPr>
+        </p:nvSpPr>
+        <p:spPr/>
+        <p:txBody>
+          <a:bodyPr/>
+          <a:lstStyle/>
+          <a:p>
+            <a:fld id="{44EB6C7D-DFD8-944D-93E3-D07F7EBDDEA8}" type="slidenum">
+              <a:rPr lang="en-US" smtClean="0"/>
+              <a:t>21</a:t>
+            </a:fld>
+            <a:endParaRPr lang="en-US"/>
+          </a:p>
+        </p:txBody>
+      </p:sp>
+    </p:spTree>
+    <p:extLst>
+      <p:ext uri="{BB962C8B-B14F-4D97-AF65-F5344CB8AC3E}">
+        <p14:creationId xmlns:p14="http://schemas.microsoft.com/office/powerpoint/2010/main" val="1364220432"/>
+      </p:ext>
+    </p:extLst>
+  </p:cSld>
+  <p:clrMapOvr>
+    <a:masterClrMapping/>
+  </p:clrMapOvr>
+</p:notes>
+</file>
+
+<file path=ppt/notesSlides/notesSlide12.xml><?xml version="1.0" encoding="utf-8"?>
+<p:notes xmlns:a="http://schemas.openxmlformats.org/drawingml/2006/main" xmlns:r="http://schemas.openxmlformats.org/officeDocument/2006/relationships" xmlns:p="http://schemas.openxmlformats.org/presentationml/2006/main">
+  <p:cSld>
+    <p:spTree>
+      <p:nvGrpSpPr>
+        <p:cNvPr id="1" name=""/>
+        <p:cNvGrpSpPr/>
+        <p:nvPr/>
+      </p:nvGrpSpPr>
+      <p:grpSpPr>
+        <a:xfrm>
+          <a:off x="0" y="0"/>
+          <a:ext cx="0" cy="0"/>
+          <a:chOff x="0" y="0"/>
+          <a:chExt cx="0" cy="0"/>
+        </a:xfrm>
+      </p:grpSpPr>
+      <p:sp>
+        <p:nvSpPr>
+          <p:cNvPr id="2" name="Slide Image Placeholder 1"/>
+          <p:cNvSpPr>
+            <a:spLocks noGrp="1" noRot="1" noChangeAspect="1"/>
+          </p:cNvSpPr>
+          <p:nvPr>
+            <p:ph type="sldImg"/>
+          </p:nvPr>
+        </p:nvSpPr>
+        <p:spPr/>
+      </p:sp>
+      <p:sp>
+        <p:nvSpPr>
+          <p:cNvPr id="3" name="Notes Placeholder 2"/>
+          <p:cNvSpPr>
+            <a:spLocks noGrp="1"/>
+          </p:cNvSpPr>
+          <p:nvPr>
+            <p:ph type="body" idx="1"/>
+          </p:nvPr>
+        </p:nvSpPr>
+        <p:spPr/>
+        <p:txBody>
+          <a:bodyPr/>
+          <a:lstStyle/>
+          <a:p>
+            <a:r>
+              <a:rPr lang="en-US" dirty="0"/>
+              <a:t>https://</a:t>
+            </a:r>
+            <a:r>
+              <a:rPr lang="en-US" dirty="0" err="1"/>
+              <a:t>developer.android.com</a:t>
+            </a:r>
+            <a:r>
+              <a:rPr lang="en-US" dirty="0"/>
+              <a:t>/reference/android/widget/</a:t>
+            </a:r>
+            <a:r>
+              <a:rPr lang="en-US" dirty="0" err="1"/>
+              <a:t>Adapter.html</a:t>
+            </a:r>
+            <a:endParaRPr lang="en-US" dirty="0"/>
+          </a:p>
+        </p:txBody>
+      </p:sp>
+      <p:sp>
+        <p:nvSpPr>
+          <p:cNvPr id="4" name="Slide Number Placeholder 3"/>
+          <p:cNvSpPr>
+            <a:spLocks noGrp="1"/>
+          </p:cNvSpPr>
+          <p:nvPr>
+            <p:ph type="sldNum" sz="quarter" idx="10"/>
+          </p:nvPr>
+        </p:nvSpPr>
+        <p:spPr/>
+        <p:txBody>
+          <a:bodyPr/>
+          <a:lstStyle/>
+          <a:p>
+            <a:fld id="{44EB6C7D-DFD8-944D-93E3-D07F7EBDDEA8}" type="slidenum">
+              <a:rPr lang="en-US" smtClean="0"/>
+              <a:t>22</a:t>
+            </a:fld>
+            <a:endParaRPr lang="en-US"/>
+          </a:p>
+        </p:txBody>
+      </p:sp>
+    </p:spTree>
+    <p:extLst>
+      <p:ext uri="{BB962C8B-B14F-4D97-AF65-F5344CB8AC3E}">
+        <p14:creationId xmlns:p14="http://schemas.microsoft.com/office/powerpoint/2010/main" val="212885038"/>
+      </p:ext>
+    </p:extLst>
+  </p:cSld>
+  <p:clrMapOvr>
+    <a:masterClrMapping/>
+  </p:clrMapOvr>
+</p:notes>
+</file>
+
+<file path=ppt/notesSlides/notesSlide13.xml><?xml version="1.0" encoding="utf-8"?>
+<p:notes xmlns:a="http://schemas.openxmlformats.org/drawingml/2006/main" xmlns:r="http://schemas.openxmlformats.org/officeDocument/2006/relationships" xmlns:p="http://schemas.openxmlformats.org/presentationml/2006/main">
+  <p:cSld>
+    <p:spTree>
+      <p:nvGrpSpPr>
+        <p:cNvPr id="1" name=""/>
+        <p:cNvGrpSpPr/>
+        <p:nvPr/>
+      </p:nvGrpSpPr>
+      <p:grpSpPr>
+        <a:xfrm>
+          <a:off x="0" y="0"/>
+          <a:ext cx="0" cy="0"/>
+          <a:chOff x="0" y="0"/>
+          <a:chExt cx="0" cy="0"/>
+        </a:xfrm>
+      </p:grpSpPr>
+      <p:sp>
+        <p:nvSpPr>
+          <p:cNvPr id="2" name="Slide Image Placeholder 1"/>
+          <p:cNvSpPr>
+            <a:spLocks noGrp="1" noRot="1" noChangeAspect="1"/>
+          </p:cNvSpPr>
+          <p:nvPr>
+            <p:ph type="sldImg"/>
+          </p:nvPr>
+        </p:nvSpPr>
+        <p:spPr/>
+      </p:sp>
+      <p:sp>
+        <p:nvSpPr>
+          <p:cNvPr id="3" name="Notes Placeholder 2"/>
+          <p:cNvSpPr>
+            <a:spLocks noGrp="1"/>
+          </p:cNvSpPr>
+          <p:nvPr>
+            <p:ph type="body" idx="1"/>
+          </p:nvPr>
+        </p:nvSpPr>
+        <p:spPr/>
+        <p:txBody>
+          <a:bodyPr/>
+          <a:lstStyle/>
+          <a:p>
+            <a:r>
+              <a:rPr lang="en-US" dirty="0"/>
+              <a:t>Android Developers API</a:t>
+            </a:r>
+            <a:r>
+              <a:rPr lang="en-US" baseline="0" dirty="0"/>
+              <a:t> documentation:</a:t>
+            </a:r>
+            <a:br>
+              <a:rPr lang="en-US" baseline="0" dirty="0"/>
+            </a:br>
+            <a:r>
+              <a:rPr lang="en-US" dirty="0"/>
+              <a:t>https://</a:t>
+            </a:r>
+            <a:r>
+              <a:rPr lang="en-US" dirty="0" err="1"/>
+              <a:t>developer.android.com</a:t>
+            </a:r>
+            <a:r>
+              <a:rPr lang="en-US" dirty="0"/>
+              <a:t>/reference/android/widget/</a:t>
+            </a:r>
+            <a:r>
+              <a:rPr lang="en-US" dirty="0" err="1"/>
+              <a:t>SimpleCursorAdapter</a:t>
+            </a:r>
+            <a:endParaRPr lang="en-US" dirty="0"/>
+          </a:p>
+        </p:txBody>
+      </p:sp>
+      <p:sp>
+        <p:nvSpPr>
+          <p:cNvPr id="4" name="Slide Number Placeholder 3"/>
+          <p:cNvSpPr>
+            <a:spLocks noGrp="1"/>
+          </p:cNvSpPr>
+          <p:nvPr>
+            <p:ph type="sldNum" sz="quarter" idx="10"/>
+          </p:nvPr>
+        </p:nvSpPr>
+        <p:spPr/>
+        <p:txBody>
+          <a:bodyPr/>
+          <a:lstStyle/>
+          <a:p>
+            <a:fld id="{E94675F0-C2CB-0246-91F1-0967C899A5BC}" type="slidenum">
+              <a:rPr lang="en-US" smtClean="0"/>
+              <a:t>23</a:t>
+            </a:fld>
+            <a:endParaRPr lang="en-US"/>
+          </a:p>
+        </p:txBody>
+      </p:sp>
+    </p:spTree>
+    <p:extLst>
+      <p:ext uri="{BB962C8B-B14F-4D97-AF65-F5344CB8AC3E}">
+        <p14:creationId xmlns:p14="http://schemas.microsoft.com/office/powerpoint/2010/main" val="4114385085"/>
+      </p:ext>
+    </p:extLst>
+  </p:cSld>
+  <p:clrMapOvr>
+    <a:masterClrMapping/>
+  </p:clrMapOvr>
+</p:notes>
+</file>
+
+<file path=ppt/notesSlides/notesSlide14.xml><?xml version="1.0" encoding="utf-8"?>
+<p:notes xmlns:a="http://schemas.openxmlformats.org/drawingml/2006/main" xmlns:r="http://schemas.openxmlformats.org/officeDocument/2006/relationships" xmlns:p="http://schemas.openxmlformats.org/presentationml/2006/main">
+  <p:cSld>
+    <p:spTree>
+      <p:nvGrpSpPr>
+        <p:cNvPr id="1" name=""/>
+        <p:cNvGrpSpPr/>
+        <p:nvPr/>
+      </p:nvGrpSpPr>
+      <p:grpSpPr>
+        <a:xfrm>
+          <a:off x="0" y="0"/>
+          <a:ext cx="0" cy="0"/>
+          <a:chOff x="0" y="0"/>
+          <a:chExt cx="0" cy="0"/>
+        </a:xfrm>
+      </p:grpSpPr>
+      <p:sp>
+        <p:nvSpPr>
+          <p:cNvPr id="2" name="Slide Image Placeholder 1"/>
+          <p:cNvSpPr>
+            <a:spLocks noGrp="1" noRot="1" noChangeAspect="1"/>
+          </p:cNvSpPr>
+          <p:nvPr>
+            <p:ph type="sldImg"/>
+          </p:nvPr>
+        </p:nvSpPr>
+        <p:spPr/>
+      </p:sp>
+      <p:sp>
+        <p:nvSpPr>
+          <p:cNvPr id="3" name="Notes Placeholder 2"/>
+          <p:cNvSpPr>
+            <a:spLocks noGrp="1"/>
+          </p:cNvSpPr>
+          <p:nvPr>
+            <p:ph type="body" idx="1"/>
+          </p:nvPr>
+        </p:nvSpPr>
+        <p:spPr/>
+        <p:txBody>
+          <a:bodyPr/>
+          <a:lstStyle/>
+          <a:p>
+            <a:r>
+              <a:rPr lang="en-US" dirty="0"/>
+              <a:t>https://</a:t>
+            </a:r>
+            <a:r>
+              <a:rPr lang="en-US" dirty="0" err="1"/>
+              <a:t>developer.android.com</a:t>
+            </a:r>
+            <a:r>
+              <a:rPr lang="en-US" dirty="0"/>
+              <a:t>/reference/android/widget/</a:t>
+            </a:r>
+            <a:r>
+              <a:rPr lang="en-US" dirty="0" err="1"/>
+              <a:t>SimpleCursorAdapter.html#SimpleCursorAdapter</a:t>
+            </a:r>
+            <a:endParaRPr lang="en-US" dirty="0"/>
+          </a:p>
+        </p:txBody>
+      </p:sp>
+      <p:sp>
+        <p:nvSpPr>
+          <p:cNvPr id="4" name="Slide Number Placeholder 3"/>
+          <p:cNvSpPr>
+            <a:spLocks noGrp="1"/>
+          </p:cNvSpPr>
+          <p:nvPr>
+            <p:ph type="sldNum" sz="quarter" idx="10"/>
+          </p:nvPr>
+        </p:nvSpPr>
+        <p:spPr/>
+        <p:txBody>
+          <a:bodyPr/>
+          <a:lstStyle/>
+          <a:p>
+            <a:fld id="{44EB6C7D-DFD8-944D-93E3-D07F7EBDDEA8}" type="slidenum">
+              <a:rPr lang="en-US" smtClean="0"/>
+              <a:t>24</a:t>
+            </a:fld>
+            <a:endParaRPr lang="en-US"/>
+          </a:p>
+        </p:txBody>
+      </p:sp>
+    </p:spTree>
+    <p:extLst>
+      <p:ext uri="{BB962C8B-B14F-4D97-AF65-F5344CB8AC3E}">
+        <p14:creationId xmlns:p14="http://schemas.microsoft.com/office/powerpoint/2010/main" val="3902683204"/>
+      </p:ext>
+    </p:extLst>
+  </p:cSld>
+  <p:clrMapOvr>
+    <a:masterClrMapping/>
+  </p:clrMapOvr>
+</p:notes>
+</file>
+
+<file path=ppt/notesSlides/notesSlide15.xml><?xml version="1.0" encoding="utf-8"?>
+<p:notes xmlns:a="http://schemas.openxmlformats.org/drawingml/2006/main" xmlns:r="http://schemas.openxmlformats.org/officeDocument/2006/relationships" xmlns:p="http://schemas.openxmlformats.org/presentationml/2006/main">
+  <p:cSld>
+    <p:spTree>
+      <p:nvGrpSpPr>
+        <p:cNvPr id="1" name=""/>
+        <p:cNvGrpSpPr/>
+        <p:nvPr/>
+      </p:nvGrpSpPr>
+      <p:grpSpPr>
+        <a:xfrm>
+          <a:off x="0" y="0"/>
+          <a:ext cx="0" cy="0"/>
+          <a:chOff x="0" y="0"/>
+          <a:chExt cx="0" cy="0"/>
+        </a:xfrm>
+      </p:grpSpPr>
+      <p:sp>
+        <p:nvSpPr>
+          <p:cNvPr id="2" name="Slide Image Placeholder 1"/>
+          <p:cNvSpPr>
+            <a:spLocks noGrp="1" noRot="1" noChangeAspect="1"/>
+          </p:cNvSpPr>
+          <p:nvPr>
+            <p:ph type="sldImg"/>
+          </p:nvPr>
+        </p:nvSpPr>
+        <p:spPr/>
+      </p:sp>
+      <p:sp>
+        <p:nvSpPr>
+          <p:cNvPr id="3" name="Notes Placeholder 2"/>
+          <p:cNvSpPr>
+            <a:spLocks noGrp="1"/>
+          </p:cNvSpPr>
+          <p:nvPr>
+            <p:ph type="body" idx="1"/>
+          </p:nvPr>
+        </p:nvSpPr>
+        <p:spPr/>
+        <p:txBody>
+          <a:bodyPr/>
+          <a:lstStyle/>
+          <a:p>
+            <a:r>
+              <a:rPr lang="en-US" dirty="0"/>
+              <a:t>From https://</a:t>
+            </a:r>
+            <a:r>
+              <a:rPr lang="en-US" dirty="0" err="1"/>
+              <a:t>github.com</a:t>
+            </a:r>
+            <a:r>
+              <a:rPr lang="en-US" dirty="0"/>
+              <a:t>/UO-CIS/CIS399AndroidDemos/tree/master/</a:t>
+            </a:r>
+            <a:r>
+              <a:rPr lang="en-US" dirty="0" err="1"/>
+              <a:t>WeatherForecast-SAX+ListView</a:t>
+            </a:r>
+            <a:endParaRPr lang="en-US" dirty="0"/>
+          </a:p>
+        </p:txBody>
+      </p:sp>
+      <p:sp>
+        <p:nvSpPr>
+          <p:cNvPr id="4" name="Slide Number Placeholder 3"/>
+          <p:cNvSpPr>
+            <a:spLocks noGrp="1"/>
+          </p:cNvSpPr>
+          <p:nvPr>
+            <p:ph type="sldNum" sz="quarter" idx="10"/>
+          </p:nvPr>
+        </p:nvSpPr>
+        <p:spPr/>
+        <p:txBody>
+          <a:bodyPr/>
+          <a:lstStyle/>
+          <a:p>
+            <a:fld id="{44EB6C7D-DFD8-944D-93E3-D07F7EBDDEA8}" type="slidenum">
+              <a:rPr lang="en-US" smtClean="0"/>
+              <a:t>25</a:t>
+            </a:fld>
+            <a:endParaRPr lang="en-US"/>
+          </a:p>
+        </p:txBody>
+      </p:sp>
+    </p:spTree>
+    <p:extLst>
+      <p:ext uri="{BB962C8B-B14F-4D97-AF65-F5344CB8AC3E}">
+        <p14:creationId xmlns:p14="http://schemas.microsoft.com/office/powerpoint/2010/main" val="2416261861"/>
+      </p:ext>
+    </p:extLst>
+  </p:cSld>
+  <p:clrMapOvr>
+    <a:masterClrMapping/>
+  </p:clrMapOvr>
+</p:notes>
+</file>
+
 <file path=ppt/notesSlides/notesSlide2.xml><?xml version="1.0" encoding="utf-8"?>
 <p:notes xmlns:a="http://schemas.openxmlformats.org/drawingml/2006/main" xmlns:r="http://schemas.openxmlformats.org/officeDocument/2006/relationships" xmlns:p="http://schemas.openxmlformats.org/presentationml/2006/main">
   <p:cSld>
@@ -1332,17 +1992,6 @@
           <a:p>
             <a:r>
               <a:rPr lang="en-US" dirty="0"/>
-              <a:t>Android Developers API</a:t>
-            </a:r>
-            <a:r>
-              <a:rPr lang="en-US" baseline="0" dirty="0"/>
-              <a:t> documentation:</a:t>
-            </a:r>
-            <a:br>
-              <a:rPr lang="en-US" baseline="0" dirty="0"/>
-            </a:br>
-            <a:r>
-              <a:rPr lang="en-US" dirty="0"/>
               <a:t>https://</a:t>
             </a:r>
             <a:r>
@@ -1355,7 +2004,7 @@
             </a:r>
             <a:r>
               <a:rPr lang="en-US" dirty="0" err="1"/>
-              <a:t>SimpleAdapter.html</a:t>
+              <a:t>Adapter.html</a:t>
             </a:r>
             <a:endParaRPr lang="en-US" dirty="0"/>
           </a:p>
@@ -1376,7 +2025,7 @@
           <a:bodyPr/>
           <a:lstStyle/>
           <a:p>
-            <a:fld id="{E94675F0-C2CB-0246-91F1-0967C899A5BC}" type="slidenum">
+            <a:fld id="{44EB6C7D-DFD8-944D-93E3-D07F7EBDDEA8}" type="slidenum">
               <a:rPr lang="en-US" smtClean="0"/>
               <a:t>18</a:t>
             </a:fld>
@@ -1387,7 +2036,7 @@
     </p:spTree>
     <p:extLst>
       <p:ext uri="{BB962C8B-B14F-4D97-AF65-F5344CB8AC3E}">
-        <p14:creationId xmlns:p14="http://schemas.microsoft.com/office/powerpoint/2010/main" val="786882825"/>
+        <p14:creationId xmlns:p14="http://schemas.microsoft.com/office/powerpoint/2010/main" val="4245004432"/>
       </p:ext>
     </p:extLst>
   </p:cSld>
@@ -1443,6 +2092,17 @@
           <a:p>
             <a:r>
               <a:rPr lang="en-US" dirty="0"/>
+              <a:t>Android Developers API</a:t>
+            </a:r>
+            <a:r>
+              <a:rPr lang="en-US" baseline="0" dirty="0"/>
+              <a:t> documentation:</a:t>
+            </a:r>
+            <a:br>
+              <a:rPr lang="en-US" baseline="0" dirty="0"/>
+            </a:br>
+            <a:r>
+              <a:rPr lang="en-US" dirty="0"/>
               <a:t>https://</a:t>
             </a:r>
             <a:r>
@@ -1455,52 +2115,9 @@
             </a:r>
             <a:r>
               <a:rPr lang="en-US" dirty="0" err="1"/>
-              <a:t>SimpleAdapter.html#SimpleAdapter</a:t>
-            </a:r>
-            <a:r>
-              <a:rPr lang="en-US" dirty="0"/>
-              <a:t>(</a:t>
-            </a:r>
-            <a:r>
-              <a:rPr lang="en-US" dirty="0" err="1"/>
-              <a:t>android.content.Context</a:t>
-            </a:r>
-            <a:r>
-              <a:rPr lang="en-US" dirty="0"/>
-              <a:t>, </a:t>
-            </a:r>
-            <a:r>
-              <a:rPr lang="en-US" dirty="0" err="1"/>
-              <a:t>java.util.List</a:t>
-            </a:r>
-            <a:r>
-              <a:rPr lang="en-US" dirty="0"/>
-              <a:t>&lt;? extends </a:t>
-            </a:r>
-            <a:r>
-              <a:rPr lang="en-US" dirty="0" err="1"/>
-              <a:t>java.util.Map</a:t>
-            </a:r>
-            <a:r>
-              <a:rPr lang="en-US" dirty="0"/>
-              <a:t>&lt;</a:t>
-            </a:r>
-            <a:r>
-              <a:rPr lang="en-US" dirty="0" err="1"/>
-              <a:t>java.lang.String</a:t>
-            </a:r>
-            <a:r>
-              <a:rPr lang="en-US" dirty="0"/>
-              <a:t>, ?&gt;&gt;, int, </a:t>
-            </a:r>
-            <a:r>
-              <a:rPr lang="en-US" dirty="0" err="1"/>
-              <a:t>java.lang.String</a:t>
-            </a:r>
-            <a:r>
-              <a:rPr lang="en-US" dirty="0"/>
-              <a:t>[], int[])</a:t>
-            </a:r>
+              <a:t>SimpleAdapter.html</a:t>
+            </a:r>
+            <a:endParaRPr lang="en-US" dirty="0"/>
           </a:p>
         </p:txBody>
       </p:sp>
@@ -1519,7 +2136,7 @@
           <a:bodyPr/>
           <a:lstStyle/>
           <a:p>
-            <a:fld id="{44EB6C7D-DFD8-944D-93E3-D07F7EBDDEA8}" type="slidenum">
+            <a:fld id="{E94675F0-C2CB-0246-91F1-0967C899A5BC}" type="slidenum">
               <a:rPr lang="en-US" smtClean="0"/>
               <a:t>19</a:t>
             </a:fld>
@@ -1530,7 +2147,7 @@
     </p:spTree>
     <p:extLst>
       <p:ext uri="{BB962C8B-B14F-4D97-AF65-F5344CB8AC3E}">
-        <p14:creationId xmlns:p14="http://schemas.microsoft.com/office/powerpoint/2010/main" val="1717814734"/>
+        <p14:creationId xmlns:p14="http://schemas.microsoft.com/office/powerpoint/2010/main" val="786882825"/>
       </p:ext>
     </p:extLst>
   </p:cSld>
@@ -1719,7 +2336,7 @@
           <a:p>
             <a:fld id="{12110144-19AD-4D4E-902D-E18AF93089D3}" type="datetimeFigureOut">
               <a:rPr lang="en-US" smtClean="0"/>
-              <a:t>7/11/18</a:t>
+              <a:t>7/12/18</a:t>
             </a:fld>
             <a:endParaRPr lang="en-US"/>
           </a:p>
@@ -1887,7 +2504,7 @@
           <a:p>
             <a:fld id="{12110144-19AD-4D4E-902D-E18AF93089D3}" type="datetimeFigureOut">
               <a:rPr lang="en-US" smtClean="0"/>
-              <a:t>7/11/18</a:t>
+              <a:t>7/12/18</a:t>
             </a:fld>
             <a:endParaRPr lang="en-US"/>
           </a:p>
@@ -2065,7 +2682,7 @@
           <a:p>
             <a:fld id="{12110144-19AD-4D4E-902D-E18AF93089D3}" type="datetimeFigureOut">
               <a:rPr lang="en-US" smtClean="0"/>
-              <a:t>7/11/18</a:t>
+              <a:t>7/12/18</a:t>
             </a:fld>
             <a:endParaRPr lang="en-US"/>
           </a:p>
@@ -2233,7 +2850,7 @@
           <a:p>
             <a:fld id="{12110144-19AD-4D4E-902D-E18AF93089D3}" type="datetimeFigureOut">
               <a:rPr lang="en-US" smtClean="0"/>
-              <a:t>7/11/18</a:t>
+              <a:t>7/12/18</a:t>
             </a:fld>
             <a:endParaRPr lang="en-US"/>
           </a:p>
@@ -2478,7 +3095,7 @@
           <a:p>
             <a:fld id="{12110144-19AD-4D4E-902D-E18AF93089D3}" type="datetimeFigureOut">
               <a:rPr lang="en-US" smtClean="0"/>
-              <a:t>7/11/18</a:t>
+              <a:t>7/12/18</a:t>
             </a:fld>
             <a:endParaRPr lang="en-US"/>
           </a:p>
@@ -2763,7 +3380,7 @@
           <a:p>
             <a:fld id="{12110144-19AD-4D4E-902D-E18AF93089D3}" type="datetimeFigureOut">
               <a:rPr lang="en-US" smtClean="0"/>
-              <a:t>7/11/18</a:t>
+              <a:t>7/12/18</a:t>
             </a:fld>
             <a:endParaRPr lang="en-US"/>
           </a:p>
@@ -3182,7 +3799,7 @@
           <a:p>
             <a:fld id="{12110144-19AD-4D4E-902D-E18AF93089D3}" type="datetimeFigureOut">
               <a:rPr lang="en-US" smtClean="0"/>
-              <a:t>7/11/18</a:t>
+              <a:t>7/12/18</a:t>
             </a:fld>
             <a:endParaRPr lang="en-US"/>
           </a:p>
@@ -3299,7 +3916,7 @@
           <a:p>
             <a:fld id="{12110144-19AD-4D4E-902D-E18AF93089D3}" type="datetimeFigureOut">
               <a:rPr lang="en-US" smtClean="0"/>
-              <a:t>7/11/18</a:t>
+              <a:t>7/12/18</a:t>
             </a:fld>
             <a:endParaRPr lang="en-US"/>
           </a:p>
@@ -3394,7 +4011,7 @@
           <a:p>
             <a:fld id="{12110144-19AD-4D4E-902D-E18AF93089D3}" type="datetimeFigureOut">
               <a:rPr lang="en-US" smtClean="0"/>
-              <a:t>7/11/18</a:t>
+              <a:t>7/12/18</a:t>
             </a:fld>
             <a:endParaRPr lang="en-US"/>
           </a:p>
@@ -3669,7 +4286,7 @@
           <a:p>
             <a:fld id="{12110144-19AD-4D4E-902D-E18AF93089D3}" type="datetimeFigureOut">
               <a:rPr lang="en-US" smtClean="0"/>
-              <a:t>7/11/18</a:t>
+              <a:t>7/12/18</a:t>
             </a:fld>
             <a:endParaRPr lang="en-US"/>
           </a:p>
@@ -3921,7 +4538,7 @@
           <a:p>
             <a:fld id="{12110144-19AD-4D4E-902D-E18AF93089D3}" type="datetimeFigureOut">
               <a:rPr lang="en-US" smtClean="0"/>
-              <a:t>7/11/18</a:t>
+              <a:t>7/12/18</a:t>
             </a:fld>
             <a:endParaRPr lang="en-US"/>
           </a:p>
@@ -4150,7 +4767,7 @@
           <a:p>
             <a:fld id="{12110144-19AD-4D4E-902D-E18AF93089D3}" type="datetimeFigureOut">
               <a:rPr lang="en-US" smtClean="0"/>
-              <a:t>7/11/18</a:t>
+              <a:t>7/12/18</a:t>
             </a:fld>
             <a:endParaRPr lang="en-US"/>
           </a:p>
@@ -5062,7 +5679,7 @@
           <a:graphicData uri="http://schemas.openxmlformats.org/presentationml/2006/ole">
             <mc:AlternateContent xmlns:mc="http://schemas.openxmlformats.org/markup-compatibility/2006">
               <mc:Choice xmlns:v="urn:schemas-microsoft-com:vml" Requires="v">
-                <p:oleObj spid="_x0000_s24610" name="Document" r:id="rId3" imgW="7296144" imgH="1781401" progId="Word.Document.12">
+                <p:oleObj spid="_x0000_s24627" name="Document" r:id="rId3" imgW="7296144" imgH="1781401" progId="Word.Document.12">
                   <p:embed/>
                 </p:oleObj>
               </mc:Choice>
@@ -5244,7 +5861,7 @@
           <a:graphicData uri="http://schemas.openxmlformats.org/presentationml/2006/ole">
             <mc:AlternateContent xmlns:mc="http://schemas.openxmlformats.org/markup-compatibility/2006">
               <mc:Choice xmlns:v="urn:schemas-microsoft-com:vml" Requires="v">
-                <p:oleObj spid="_x0000_s1046" name="Document" r:id="rId3" imgW="6864202" imgH="5422047" progId="Word.Document.12">
+                <p:oleObj spid="_x0000_s1063" name="Document" r:id="rId3" imgW="6864202" imgH="5422047" progId="Word.Document.12">
                   <p:embed/>
                 </p:oleObj>
               </mc:Choice>
@@ -5426,7 +6043,7 @@
           <a:graphicData uri="http://schemas.openxmlformats.org/presentationml/2006/ole">
             <mc:AlternateContent xmlns:mc="http://schemas.openxmlformats.org/markup-compatibility/2006">
               <mc:Choice xmlns:v="urn:schemas-microsoft-com:vml" Requires="v">
-                <p:oleObj spid="_x0000_s36887" name="Document" r:id="rId3" imgW="6959600" imgH="1282700" progId="Word.Document.12">
+                <p:oleObj spid="_x0000_s36904" name="Document" r:id="rId3" imgW="6959600" imgH="1282700" progId="Word.Document.12">
                   <p:embed/>
                 </p:oleObj>
               </mc:Choice>
@@ -5863,6 +6480,28 @@
 <file path=ppt/slides/slide18.xml><?xml version="1.0" encoding="utf-8"?>
 <p:sld xmlns:a="http://schemas.openxmlformats.org/drawingml/2006/main" xmlns:r="http://schemas.openxmlformats.org/officeDocument/2006/relationships" xmlns:p="http://schemas.openxmlformats.org/presentationml/2006/main">
   <p:cSld>
+    <p:bg>
+      <p:bgPr>
+        <a:gradFill flip="none" rotWithShape="1">
+          <a:gsLst>
+            <a:gs pos="100000">
+              <a:schemeClr val="tx1">
+                <a:lumMod val="65000"/>
+                <a:lumOff val="35000"/>
+              </a:schemeClr>
+            </a:gs>
+            <a:gs pos="55000">
+              <a:schemeClr val="bg1">
+                <a:lumMod val="75000"/>
+              </a:schemeClr>
+            </a:gs>
+          </a:gsLst>
+          <a:lin ang="5400000" scaled="0"/>
+          <a:tileRect/>
+        </a:gradFill>
+        <a:effectLst/>
+      </p:bgPr>
+    </p:bg>
     <p:spTree>
       <p:nvGrpSpPr>
         <p:cNvPr id="1" name=""/>
@@ -5879,82 +6518,104 @@
       </p:grpSpPr>
       <p:sp>
         <p:nvSpPr>
-          <p:cNvPr id="2" name="Title 1"/>
-          <p:cNvSpPr>
-            <a:spLocks noGrp="1"/>
-          </p:cNvSpPr>
-          <p:nvPr>
-            <p:ph type="title"/>
-          </p:nvPr>
-        </p:nvSpPr>
-        <p:spPr/>
-        <p:txBody>
-          <a:bodyPr/>
-          <a:lstStyle/>
-          <a:p>
-            <a:r>
-              <a:rPr lang="en-US" dirty="0">
+          <p:cNvPr id="7" name="TextBox 6"/>
+          <p:cNvSpPr txBox="1"/>
+          <p:nvPr/>
+        </p:nvSpPr>
+        <p:spPr>
+          <a:xfrm>
+            <a:off x="838199" y="120519"/>
+            <a:ext cx="8305801" cy="1107996"/>
+          </a:xfrm>
+          <a:prstGeom prst="rect">
+            <a:avLst/>
+          </a:prstGeom>
+          <a:noFill/>
+        </p:spPr>
+        <p:txBody>
+          <a:bodyPr wrap="square" rtlCol="0">
+            <a:spAutoFit/>
+          </a:bodyPr>
+          <a:lstStyle/>
+          <a:p>
+            <a:r>
+              <a:rPr lang="en-US" sz="6600" dirty="0">
                 <a:solidFill>
-                  <a:srgbClr val="0000FF"/>
+                  <a:srgbClr val="2D2DB9"/>
                 </a:solidFill>
               </a:rPr>
-              <a:t>Using a SimpleAdapter</a:t>
-            </a:r>
-          </a:p>
-        </p:txBody>
-      </p:sp>
-      <p:sp>
-        <p:nvSpPr>
-          <p:cNvPr id="3" name="Content Placeholder 2"/>
-          <p:cNvSpPr>
-            <a:spLocks noGrp="1"/>
-          </p:cNvSpPr>
-          <p:nvPr>
-            <p:ph idx="1"/>
-          </p:nvPr>
-        </p:nvSpPr>
-        <p:spPr/>
-        <p:txBody>
-          <a:bodyPr/>
-          <a:lstStyle/>
-          <a:p>
-            <a:r>
-              <a:rPr lang="en-US" dirty="0"/>
-              <a:t>Can be used with an ArrayList of Maps</a:t>
-            </a:r>
-          </a:p>
-          <a:p>
-            <a:pPr lvl="1"/>
-            <a:r>
-              <a:rPr lang="en-US" dirty="0"/>
-              <a:t>Each entry in the ArrayList corresponds to one row in the list</a:t>
-            </a:r>
-          </a:p>
-          <a:p>
-            <a:pPr lvl="1"/>
-            <a:r>
-              <a:rPr lang="en-US" dirty="0"/>
-              <a:t>The Maps contain the data for each row</a:t>
-            </a:r>
-          </a:p>
-          <a:p>
-            <a:r>
-              <a:rPr lang="en-US" dirty="0"/>
-              <a:t>In the activity’s OnCreate method, instantiate a SimpleAdapter object.</a:t>
-            </a:r>
-          </a:p>
-          <a:p>
-            <a:pPr marL="0" indent="0">
-              <a:buNone/>
-            </a:pPr>
-            <a:endParaRPr lang="en-US" dirty="0"/>
+              <a:t>Adapters</a:t>
+            </a:r>
+          </a:p>
+        </p:txBody>
+      </p:sp>
+      <p:pic>
+        <p:nvPicPr>
+          <p:cNvPr id="2" name="Picture 1"/>
+          <p:cNvPicPr>
+            <a:picLocks noChangeAspect="1"/>
+          </p:cNvPicPr>
+          <p:nvPr/>
+        </p:nvPicPr>
+        <p:blipFill>
+          <a:blip r:embed="rId3"/>
+          <a:stretch>
+            <a:fillRect/>
+          </a:stretch>
+        </p:blipFill>
+        <p:spPr>
+          <a:xfrm>
+            <a:off x="838200" y="1228516"/>
+            <a:ext cx="1474694" cy="1474694"/>
+          </a:xfrm>
+          <a:prstGeom prst="rect">
+            <a:avLst/>
+          </a:prstGeom>
+        </p:spPr>
+      </p:pic>
+      <p:sp>
+        <p:nvSpPr>
+          <p:cNvPr id="4" name="TextBox 3">
+            <a:extLst>
+              <a:ext uri="{FF2B5EF4-FFF2-40B4-BE49-F238E27FC236}">
+                <a16:creationId xmlns:a16="http://schemas.microsoft.com/office/drawing/2014/main" id="{A1474CE1-1B9A-3445-B50D-8966F503233B}"/>
+              </a:ext>
+            </a:extLst>
+          </p:cNvPr>
+          <p:cNvSpPr txBox="1"/>
+          <p:nvPr/>
+        </p:nvSpPr>
+        <p:spPr>
+          <a:xfrm>
+            <a:off x="3740611" y="2703210"/>
+            <a:ext cx="3975672" cy="2123658"/>
+          </a:xfrm>
+          <a:prstGeom prst="rect">
+            <a:avLst/>
+          </a:prstGeom>
+          <a:noFill/>
+        </p:spPr>
+        <p:txBody>
+          <a:bodyPr wrap="square" rtlCol="0">
+            <a:spAutoFit/>
+          </a:bodyPr>
+          <a:lstStyle/>
+          <a:p>
+            <a:r>
+              <a:rPr lang="en-US" sz="6600" dirty="0">
+                <a:solidFill>
+                  <a:srgbClr val="2D2DB9"/>
+                </a:solidFill>
+              </a:rPr>
+              <a:t>Simple Adapter</a:t>
+            </a:r>
           </a:p>
         </p:txBody>
       </p:sp>
     </p:spTree>
     <p:extLst>
       <p:ext uri="{BB962C8B-B14F-4D97-AF65-F5344CB8AC3E}">
-        <p14:creationId xmlns:p14="http://schemas.microsoft.com/office/powerpoint/2010/main" val="2903174407"/>
+        <p14:creationId xmlns:p14="http://schemas.microsoft.com/office/powerpoint/2010/main" val="2640423913"/>
       </p:ext>
     </p:extLst>
   </p:cSld>
@@ -5994,22 +6655,28 @@
         <p:spPr>
           <a:xfrm>
             <a:off x="457200" y="274638"/>
-            <a:ext cx="8229600" cy="692385"/>
+            <a:ext cx="8229600" cy="812026"/>
           </a:xfrm>
         </p:spPr>
         <p:txBody>
-          <a:bodyPr>
-            <a:normAutofit fontScale="90000"/>
-          </a:bodyPr>
-          <a:lstStyle/>
-          <a:p>
+          <a:bodyPr/>
+          <a:lstStyle/>
+          <a:p>
+            <a:r>
+              <a:rPr lang="en-US" dirty="0" err="1">
+                <a:solidFill>
+                  <a:srgbClr val="0000FF"/>
+                </a:solidFill>
+              </a:rPr>
+              <a:t>SimpleAdapter</a:t>
+            </a:r>
             <a:r>
               <a:rPr lang="en-US" dirty="0">
                 <a:solidFill>
                   <a:srgbClr val="0000FF"/>
                 </a:solidFill>
               </a:rPr>
-              <a:t>SimpleAdapter Constructor</a:t>
+              <a:t> Overview</a:t>
             </a:r>
           </a:p>
         </p:txBody>
@@ -6026,13 +6693,13 @@
         </p:nvSpPr>
         <p:spPr>
           <a:xfrm>
-            <a:off x="279651" y="1130135"/>
-            <a:ext cx="8715784" cy="5196293"/>
+            <a:off x="457200" y="1250576"/>
+            <a:ext cx="8229600" cy="2541495"/>
           </a:xfrm>
         </p:spPr>
         <p:txBody>
           <a:bodyPr>
-            <a:normAutofit/>
+            <a:normAutofit lnSpcReduction="10000"/>
           </a:bodyPr>
           <a:lstStyle/>
           <a:p>
@@ -6040,72 +6707,505 @@
               <a:buNone/>
             </a:pPr>
             <a:r>
-              <a:rPr lang="en-US" i="1" dirty="0"/>
-              <a:t>public SimpleAdapter (Context context, </a:t>
-            </a:r>
+              <a:rPr lang="en-US" dirty="0"/>
+              <a:t>Used with a List of Maps as a data source</a:t>
+            </a:r>
+          </a:p>
+          <a:p>
+            <a:r>
+              <a:rPr lang="en-US" dirty="0"/>
+              <a:t>Each item in the List object corresponds to one row in the </a:t>
+            </a:r>
+            <a:r>
+              <a:rPr lang="en-US" dirty="0" err="1"/>
+              <a:t>ListView</a:t>
+            </a:r>
+            <a:endParaRPr lang="en-US" dirty="0"/>
+          </a:p>
+          <a:p>
+            <a:r>
+              <a:rPr lang="en-US" dirty="0"/>
+              <a:t>Each item is a Map object which contains all the data for the row</a:t>
+            </a:r>
+          </a:p>
+          <a:p>
+            <a:pPr lvl="1"/>
+            <a:endParaRPr lang="en-US" dirty="0"/>
           </a:p>
           <a:p>
             <a:pPr marL="0" indent="0">
               <a:buNone/>
             </a:pPr>
-            <a:r>
-              <a:rPr lang="en-US" i="1" dirty="0"/>
-              <a:t>	List&lt;? extends Map&lt;String, ?&gt;&gt; data,</a:t>
-            </a:r>
-          </a:p>
-          <a:p>
-            <a:pPr marL="0" indent="0">
-              <a:buNone/>
-            </a:pPr>
-            <a:r>
-              <a:rPr lang="en-US" i="1" dirty="0"/>
-              <a:t>	Int32 resource, String[] from, Int[] to)</a:t>
-            </a:r>
-          </a:p>
-          <a:p>
-            <a:r>
-              <a:rPr lang="en-US" sz="2800" dirty="0"/>
-              <a:t>context: The host Activity context</a:t>
-            </a:r>
-          </a:p>
-          <a:p>
-            <a:r>
-              <a:rPr lang="en-US" sz="2800" dirty="0"/>
-              <a:t>data: A List of Map&lt;string, ?&gt; objects</a:t>
-            </a:r>
-          </a:p>
-          <a:p>
-            <a:r>
-              <a:rPr lang="en-US" sz="2800" dirty="0"/>
-              <a:t>resource: ListView layout from </a:t>
-            </a:r>
-            <a:r>
-              <a:rPr lang="en-US" sz="2800" i="1" dirty="0" err="1"/>
-              <a:t>Android.Resource.Layout</a:t>
-            </a:r>
-            <a:endParaRPr lang="en-US" sz="2800" i="1" dirty="0"/>
-          </a:p>
-          <a:p>
-            <a:r>
-              <a:rPr lang="en-US" sz="2800" dirty="0"/>
-              <a:t>from: Map key for data source</a:t>
-            </a:r>
-          </a:p>
-          <a:p>
-            <a:r>
-              <a:rPr lang="en-US" sz="2800" dirty="0"/>
-              <a:t>to: ListView widget property for displaying data</a:t>
-            </a:r>
-          </a:p>
-          <a:p>
             <a:endParaRPr lang="en-US" dirty="0"/>
+          </a:p>
+        </p:txBody>
+      </p:sp>
+      <p:graphicFrame>
+        <p:nvGraphicFramePr>
+          <p:cNvPr id="4" name="Table 3">
+            <a:extLst>
+              <a:ext uri="{FF2B5EF4-FFF2-40B4-BE49-F238E27FC236}">
+                <a16:creationId xmlns:a16="http://schemas.microsoft.com/office/drawing/2014/main" id="{39410F28-73A6-7B44-B19C-8F523CF4A262}"/>
+              </a:ext>
+            </a:extLst>
+          </p:cNvPr>
+          <p:cNvGraphicFramePr>
+            <a:graphicFrameLocks noGrp="1"/>
+          </p:cNvGraphicFramePr>
+          <p:nvPr>
+            <p:extLst>
+              <p:ext uri="{D42A27DB-BD31-4B8C-83A1-F6EECF244321}">
+                <p14:modId xmlns:p14="http://schemas.microsoft.com/office/powerpoint/2010/main" val="2368711621"/>
+              </p:ext>
+            </p:extLst>
+          </p:nvPr>
+        </p:nvGraphicFramePr>
+        <p:xfrm>
+          <a:off x="838199" y="4632064"/>
+          <a:ext cx="1474695" cy="1112520"/>
+        </p:xfrm>
+        <a:graphic>
+          <a:graphicData uri="http://schemas.openxmlformats.org/drawingml/2006/table">
+            <a:tbl>
+              <a:tblPr bandRow="1">
+                <a:tableStyleId>{69CF1AB2-1976-4502-BF36-3FF5EA218861}</a:tableStyleId>
+              </a:tblPr>
+              <a:tblGrid>
+                <a:gridCol w="1474695">
+                  <a:extLst>
+                    <a:ext uri="{9D8B030D-6E8A-4147-A177-3AD203B41FA5}">
+                      <a16:colId xmlns:a16="http://schemas.microsoft.com/office/drawing/2014/main" val="3661726482"/>
+                    </a:ext>
+                  </a:extLst>
+                </a:gridCol>
+              </a:tblGrid>
+              <a:tr h="370840">
+                <a:tc>
+                  <a:txBody>
+                    <a:bodyPr/>
+                    <a:lstStyle/>
+                    <a:p>
+                      <a:r>
+                        <a:rPr lang="en-US" b="0" dirty="0"/>
+                        <a:t>Map 1</a:t>
+                      </a:r>
+                    </a:p>
+                  </a:txBody>
+                  <a:tcPr/>
+                </a:tc>
+                <a:extLst>
+                  <a:ext uri="{0D108BD9-81ED-4DB2-BD59-A6C34878D82A}">
+                    <a16:rowId xmlns:a16="http://schemas.microsoft.com/office/drawing/2014/main" val="2325092414"/>
+                  </a:ext>
+                </a:extLst>
+              </a:tr>
+              <a:tr h="370840">
+                <a:tc>
+                  <a:txBody>
+                    <a:bodyPr/>
+                    <a:lstStyle/>
+                    <a:p>
+                      <a:r>
+                        <a:rPr lang="en-US" dirty="0"/>
+                        <a:t>Map 2</a:t>
+                      </a:r>
+                    </a:p>
+                  </a:txBody>
+                  <a:tcPr/>
+                </a:tc>
+                <a:extLst>
+                  <a:ext uri="{0D108BD9-81ED-4DB2-BD59-A6C34878D82A}">
+                    <a16:rowId xmlns:a16="http://schemas.microsoft.com/office/drawing/2014/main" val="1307500884"/>
+                  </a:ext>
+                </a:extLst>
+              </a:tr>
+              <a:tr h="370840">
+                <a:tc>
+                  <a:txBody>
+                    <a:bodyPr/>
+                    <a:lstStyle/>
+                    <a:p>
+                      <a:r>
+                        <a:rPr lang="en-US" dirty="0"/>
+                        <a:t>Map 3</a:t>
+                      </a:r>
+                    </a:p>
+                  </a:txBody>
+                  <a:tcPr/>
+                </a:tc>
+                <a:extLst>
+                  <a:ext uri="{0D108BD9-81ED-4DB2-BD59-A6C34878D82A}">
+                    <a16:rowId xmlns:a16="http://schemas.microsoft.com/office/drawing/2014/main" val="1434350765"/>
+                  </a:ext>
+                </a:extLst>
+              </a:tr>
+            </a:tbl>
+          </a:graphicData>
+        </a:graphic>
+      </p:graphicFrame>
+      <p:sp>
+        <p:nvSpPr>
+          <p:cNvPr id="5" name="Right Arrow 4">
+            <a:extLst>
+              <a:ext uri="{FF2B5EF4-FFF2-40B4-BE49-F238E27FC236}">
+                <a16:creationId xmlns:a16="http://schemas.microsoft.com/office/drawing/2014/main" id="{CBDFBA7C-F4F9-0B42-BA3D-EA83EDC79B7A}"/>
+              </a:ext>
+            </a:extLst>
+          </p:cNvPr>
+          <p:cNvSpPr/>
+          <p:nvPr/>
+        </p:nvSpPr>
+        <p:spPr>
+          <a:xfrm>
+            <a:off x="2312894" y="4694647"/>
+            <a:ext cx="1635885" cy="1049937"/>
+          </a:xfrm>
+          <a:prstGeom prst="rightArrow">
+            <a:avLst/>
+          </a:prstGeom>
+        </p:spPr>
+        <p:style>
+          <a:lnRef idx="1">
+            <a:schemeClr val="accent1"/>
+          </a:lnRef>
+          <a:fillRef idx="3">
+            <a:schemeClr val="accent1"/>
+          </a:fillRef>
+          <a:effectRef idx="2">
+            <a:schemeClr val="accent1"/>
+          </a:effectRef>
+          <a:fontRef idx="minor">
+            <a:schemeClr val="lt1"/>
+          </a:fontRef>
+        </p:style>
+        <p:txBody>
+          <a:bodyPr rtlCol="0" anchor="ctr"/>
+          <a:lstStyle/>
+          <a:p>
+            <a:pPr algn="ctr"/>
+            <a:r>
+              <a:rPr lang="en-US" dirty="0"/>
+              <a:t>Adapter</a:t>
+            </a:r>
+          </a:p>
+        </p:txBody>
+      </p:sp>
+      <p:graphicFrame>
+        <p:nvGraphicFramePr>
+          <p:cNvPr id="6" name="Table 5">
+            <a:extLst>
+              <a:ext uri="{FF2B5EF4-FFF2-40B4-BE49-F238E27FC236}">
+                <a16:creationId xmlns:a16="http://schemas.microsoft.com/office/drawing/2014/main" id="{B32E7B72-E9E1-9844-950D-D95C712AE1D5}"/>
+              </a:ext>
+            </a:extLst>
+          </p:cNvPr>
+          <p:cNvGraphicFramePr>
+            <a:graphicFrameLocks noGrp="1"/>
+          </p:cNvGraphicFramePr>
+          <p:nvPr>
+            <p:extLst>
+              <p:ext uri="{D42A27DB-BD31-4B8C-83A1-F6EECF244321}">
+                <p14:modId xmlns:p14="http://schemas.microsoft.com/office/powerpoint/2010/main" val="3504430861"/>
+              </p:ext>
+            </p:extLst>
+          </p:nvPr>
+        </p:nvGraphicFramePr>
+        <p:xfrm>
+          <a:off x="3948779" y="4261224"/>
+          <a:ext cx="4464423" cy="1483360"/>
+        </p:xfrm>
+        <a:graphic>
+          <a:graphicData uri="http://schemas.openxmlformats.org/drawingml/2006/table">
+            <a:tbl>
+              <a:tblPr firstRow="1" bandRow="1">
+                <a:tableStyleId>{5C22544A-7EE6-4342-B048-85BDC9FD1C3A}</a:tableStyleId>
+              </a:tblPr>
+              <a:tblGrid>
+                <a:gridCol w="1488141">
+                  <a:extLst>
+                    <a:ext uri="{9D8B030D-6E8A-4147-A177-3AD203B41FA5}">
+                      <a16:colId xmlns:a16="http://schemas.microsoft.com/office/drawing/2014/main" val="3463673177"/>
+                    </a:ext>
+                  </a:extLst>
+                </a:gridCol>
+                <a:gridCol w="1488141">
+                  <a:extLst>
+                    <a:ext uri="{9D8B030D-6E8A-4147-A177-3AD203B41FA5}">
+                      <a16:colId xmlns:a16="http://schemas.microsoft.com/office/drawing/2014/main" val="382414278"/>
+                    </a:ext>
+                  </a:extLst>
+                </a:gridCol>
+                <a:gridCol w="1488141">
+                  <a:extLst>
+                    <a:ext uri="{9D8B030D-6E8A-4147-A177-3AD203B41FA5}">
+                      <a16:colId xmlns:a16="http://schemas.microsoft.com/office/drawing/2014/main" val="876642300"/>
+                    </a:ext>
+                  </a:extLst>
+                </a:gridCol>
+              </a:tblGrid>
+              <a:tr h="370840">
+                <a:tc>
+                  <a:txBody>
+                    <a:bodyPr/>
+                    <a:lstStyle/>
+                    <a:p>
+                      <a:r>
+                        <a:rPr lang="en-US" dirty="0"/>
+                        <a:t>First Name</a:t>
+                      </a:r>
+                    </a:p>
+                  </a:txBody>
+                  <a:tcPr/>
+                </a:tc>
+                <a:tc>
+                  <a:txBody>
+                    <a:bodyPr/>
+                    <a:lstStyle/>
+                    <a:p>
+                      <a:r>
+                        <a:rPr lang="en-US" dirty="0"/>
+                        <a:t>Last Name</a:t>
+                      </a:r>
+                    </a:p>
+                  </a:txBody>
+                  <a:tcPr/>
+                </a:tc>
+                <a:tc>
+                  <a:txBody>
+                    <a:bodyPr/>
+                    <a:lstStyle/>
+                    <a:p>
+                      <a:r>
+                        <a:rPr lang="en-US" dirty="0"/>
+                        <a:t>Phone</a:t>
+                      </a:r>
+                    </a:p>
+                  </a:txBody>
+                  <a:tcPr/>
+                </a:tc>
+                <a:extLst>
+                  <a:ext uri="{0D108BD9-81ED-4DB2-BD59-A6C34878D82A}">
+                    <a16:rowId xmlns:a16="http://schemas.microsoft.com/office/drawing/2014/main" val="4037679736"/>
+                  </a:ext>
+                </a:extLst>
+              </a:tr>
+              <a:tr h="370840">
+                <a:tc>
+                  <a:txBody>
+                    <a:bodyPr/>
+                    <a:lstStyle/>
+                    <a:p>
+                      <a:r>
+                        <a:rPr lang="en-US" dirty="0"/>
+                        <a:t>Clyde</a:t>
+                      </a:r>
+                    </a:p>
+                  </a:txBody>
+                  <a:tcPr/>
+                </a:tc>
+                <a:tc>
+                  <a:txBody>
+                    <a:bodyPr/>
+                    <a:lstStyle/>
+                    <a:p>
+                      <a:r>
+                        <a:rPr lang="en-US" dirty="0"/>
+                        <a:t>Drexler</a:t>
+                      </a:r>
+                    </a:p>
+                  </a:txBody>
+                  <a:tcPr/>
+                </a:tc>
+                <a:tc>
+                  <a:txBody>
+                    <a:bodyPr/>
+                    <a:lstStyle/>
+                    <a:p>
+                      <a:r>
+                        <a:rPr lang="en-US" dirty="0"/>
+                        <a:t>456-789-1234</a:t>
+                      </a:r>
+                    </a:p>
+                  </a:txBody>
+                  <a:tcPr/>
+                </a:tc>
+                <a:extLst>
+                  <a:ext uri="{0D108BD9-81ED-4DB2-BD59-A6C34878D82A}">
+                    <a16:rowId xmlns:a16="http://schemas.microsoft.com/office/drawing/2014/main" val="2714366056"/>
+                  </a:ext>
+                </a:extLst>
+              </a:tr>
+              <a:tr h="370840">
+                <a:tc>
+                  <a:txBody>
+                    <a:bodyPr/>
+                    <a:lstStyle/>
+                    <a:p>
+                      <a:r>
+                        <a:rPr lang="en-US" dirty="0"/>
+                        <a:t>Satya</a:t>
+                      </a:r>
+                    </a:p>
+                  </a:txBody>
+                  <a:tcPr/>
+                </a:tc>
+                <a:tc>
+                  <a:txBody>
+                    <a:bodyPr/>
+                    <a:lstStyle/>
+                    <a:p>
+                      <a:r>
+                        <a:rPr lang="en-US" dirty="0"/>
+                        <a:t>Nadella</a:t>
+                      </a:r>
+                    </a:p>
+                  </a:txBody>
+                  <a:tcPr/>
+                </a:tc>
+                <a:tc>
+                  <a:txBody>
+                    <a:bodyPr/>
+                    <a:lstStyle/>
+                    <a:p>
+                      <a:r>
+                        <a:rPr lang="en-US" dirty="0"/>
+                        <a:t>567-891-2345</a:t>
+                      </a:r>
+                    </a:p>
+                  </a:txBody>
+                  <a:tcPr/>
+                </a:tc>
+                <a:extLst>
+                  <a:ext uri="{0D108BD9-81ED-4DB2-BD59-A6C34878D82A}">
+                    <a16:rowId xmlns:a16="http://schemas.microsoft.com/office/drawing/2014/main" val="1021840945"/>
+                  </a:ext>
+                </a:extLst>
+              </a:tr>
+              <a:tr h="370840">
+                <a:tc>
+                  <a:txBody>
+                    <a:bodyPr/>
+                    <a:lstStyle/>
+                    <a:p>
+                      <a:r>
+                        <a:rPr lang="en-US" dirty="0"/>
+                        <a:t>John</a:t>
+                      </a:r>
+                    </a:p>
+                  </a:txBody>
+                  <a:tcPr/>
+                </a:tc>
+                <a:tc>
+                  <a:txBody>
+                    <a:bodyPr/>
+                    <a:lstStyle/>
+                    <a:p>
+                      <a:r>
+                        <a:rPr lang="en-US" dirty="0"/>
+                        <a:t>Grisham</a:t>
+                      </a:r>
+                    </a:p>
+                  </a:txBody>
+                  <a:tcPr/>
+                </a:tc>
+                <a:tc>
+                  <a:txBody>
+                    <a:bodyPr/>
+                    <a:lstStyle/>
+                    <a:p>
+                      <a:r>
+                        <a:rPr lang="en-US" dirty="0"/>
+                        <a:t>678-912-3456</a:t>
+                      </a:r>
+                    </a:p>
+                  </a:txBody>
+                  <a:tcPr/>
+                </a:tc>
+                <a:extLst>
+                  <a:ext uri="{0D108BD9-81ED-4DB2-BD59-A6C34878D82A}">
+                    <a16:rowId xmlns:a16="http://schemas.microsoft.com/office/drawing/2014/main" val="3189302705"/>
+                  </a:ext>
+                </a:extLst>
+              </a:tr>
+            </a:tbl>
+          </a:graphicData>
+        </a:graphic>
+      </p:graphicFrame>
+      <p:sp>
+        <p:nvSpPr>
+          <p:cNvPr id="7" name="TextBox 6">
+            <a:extLst>
+              <a:ext uri="{FF2B5EF4-FFF2-40B4-BE49-F238E27FC236}">
+                <a16:creationId xmlns:a16="http://schemas.microsoft.com/office/drawing/2014/main" id="{27DA729D-61FD-EF48-8C85-81D3D09F3BF7}"/>
+              </a:ext>
+            </a:extLst>
+          </p:cNvPr>
+          <p:cNvSpPr txBox="1"/>
+          <p:nvPr/>
+        </p:nvSpPr>
+        <p:spPr>
+          <a:xfrm>
+            <a:off x="3948779" y="3955983"/>
+            <a:ext cx="1192307" cy="369332"/>
+          </a:xfrm>
+          <a:prstGeom prst="rect">
+            <a:avLst/>
+          </a:prstGeom>
+          <a:noFill/>
+        </p:spPr>
+        <p:txBody>
+          <a:bodyPr wrap="square" rtlCol="0">
+            <a:spAutoFit/>
+          </a:bodyPr>
+          <a:lstStyle/>
+          <a:p>
+            <a:r>
+              <a:rPr lang="en-US" dirty="0" err="1"/>
+              <a:t>ListView</a:t>
+            </a:r>
+            <a:endParaRPr lang="en-US" dirty="0"/>
+          </a:p>
+        </p:txBody>
+      </p:sp>
+      <p:sp>
+        <p:nvSpPr>
+          <p:cNvPr id="8" name="TextBox 7">
+            <a:extLst>
+              <a:ext uri="{FF2B5EF4-FFF2-40B4-BE49-F238E27FC236}">
+                <a16:creationId xmlns:a16="http://schemas.microsoft.com/office/drawing/2014/main" id="{6CCDC69D-3322-1747-B2F3-8260F5F79129}"/>
+              </a:ext>
+            </a:extLst>
+          </p:cNvPr>
+          <p:cNvSpPr txBox="1"/>
+          <p:nvPr/>
+        </p:nvSpPr>
+        <p:spPr>
+          <a:xfrm>
+            <a:off x="838199" y="4325315"/>
+            <a:ext cx="1192307" cy="369332"/>
+          </a:xfrm>
+          <a:prstGeom prst="rect">
+            <a:avLst/>
+          </a:prstGeom>
+          <a:noFill/>
+        </p:spPr>
+        <p:txBody>
+          <a:bodyPr wrap="square" rtlCol="0">
+            <a:spAutoFit/>
+          </a:bodyPr>
+          <a:lstStyle/>
+          <a:p>
+            <a:r>
+              <a:rPr lang="en-US" dirty="0"/>
+              <a:t>List</a:t>
+            </a:r>
           </a:p>
         </p:txBody>
       </p:sp>
     </p:spTree>
     <p:extLst>
       <p:ext uri="{BB962C8B-B14F-4D97-AF65-F5344CB8AC3E}">
-        <p14:creationId xmlns:p14="http://schemas.microsoft.com/office/powerpoint/2010/main" val="2558767997"/>
+        <p14:creationId xmlns:p14="http://schemas.microsoft.com/office/powerpoint/2010/main" val="2903174407"/>
       </p:ext>
     </p:extLst>
   </p:cSld>
@@ -7071,6 +8171,2359 @@
 <file path=ppt/slides/slide20.xml><?xml version="1.0" encoding="utf-8"?>
 <p:sld xmlns:a="http://schemas.openxmlformats.org/drawingml/2006/main" xmlns:r="http://schemas.openxmlformats.org/officeDocument/2006/relationships" xmlns:p="http://schemas.openxmlformats.org/presentationml/2006/main">
   <p:cSld>
+    <p:spTree>
+      <p:nvGrpSpPr>
+        <p:cNvPr id="1" name=""/>
+        <p:cNvGrpSpPr/>
+        <p:nvPr/>
+      </p:nvGrpSpPr>
+      <p:grpSpPr>
+        <a:xfrm>
+          <a:off x="0" y="0"/>
+          <a:ext cx="0" cy="0"/>
+          <a:chOff x="0" y="0"/>
+          <a:chExt cx="0" cy="0"/>
+        </a:xfrm>
+      </p:grpSpPr>
+      <p:sp>
+        <p:nvSpPr>
+          <p:cNvPr id="2" name="Title 1"/>
+          <p:cNvSpPr>
+            <a:spLocks noGrp="1"/>
+          </p:cNvSpPr>
+          <p:nvPr>
+            <p:ph type="title"/>
+          </p:nvPr>
+        </p:nvSpPr>
+        <p:spPr>
+          <a:xfrm>
+            <a:off x="457200" y="274638"/>
+            <a:ext cx="8229600" cy="692385"/>
+          </a:xfrm>
+        </p:spPr>
+        <p:txBody>
+          <a:bodyPr>
+            <a:normAutofit fontScale="90000"/>
+          </a:bodyPr>
+          <a:lstStyle/>
+          <a:p>
+            <a:r>
+              <a:rPr lang="en-US" dirty="0">
+                <a:solidFill>
+                  <a:srgbClr val="0000FF"/>
+                </a:solidFill>
+              </a:rPr>
+              <a:t>SimpleAdapter Constructor</a:t>
+            </a:r>
+          </a:p>
+        </p:txBody>
+      </p:sp>
+      <p:sp>
+        <p:nvSpPr>
+          <p:cNvPr id="3" name="Content Placeholder 2"/>
+          <p:cNvSpPr>
+            <a:spLocks noGrp="1"/>
+          </p:cNvSpPr>
+          <p:nvPr>
+            <p:ph idx="1"/>
+          </p:nvPr>
+        </p:nvSpPr>
+        <p:spPr>
+          <a:xfrm>
+            <a:off x="279651" y="1130135"/>
+            <a:ext cx="8715784" cy="5196293"/>
+          </a:xfrm>
+        </p:spPr>
+        <p:txBody>
+          <a:bodyPr>
+            <a:normAutofit fontScale="85000" lnSpcReduction="20000"/>
+          </a:bodyPr>
+          <a:lstStyle/>
+          <a:p>
+            <a:pPr marL="0" indent="0">
+              <a:buNone/>
+            </a:pPr>
+            <a:r>
+              <a:rPr lang="en-US" sz="3000" dirty="0">
+                <a:latin typeface="Courier" pitchFamily="2" charset="0"/>
+              </a:rPr>
+              <a:t>public </a:t>
+            </a:r>
+            <a:r>
+              <a:rPr lang="en-US" sz="3000" dirty="0" err="1">
+                <a:latin typeface="Courier" pitchFamily="2" charset="0"/>
+              </a:rPr>
+              <a:t>SimpleAdapter</a:t>
+            </a:r>
+            <a:r>
+              <a:rPr lang="en-US" sz="3000" dirty="0">
+                <a:latin typeface="Courier" pitchFamily="2" charset="0"/>
+              </a:rPr>
+              <a:t> (</a:t>
+            </a:r>
+          </a:p>
+          <a:p>
+            <a:pPr marL="0" indent="0">
+              <a:buNone/>
+            </a:pPr>
+            <a:r>
+              <a:rPr lang="en-US" sz="3000" dirty="0">
+                <a:latin typeface="Courier" pitchFamily="2" charset="0"/>
+              </a:rPr>
+              <a:t>  Context context, </a:t>
+            </a:r>
+          </a:p>
+          <a:p>
+            <a:pPr marL="0" indent="0">
+              <a:buNone/>
+            </a:pPr>
+            <a:r>
+              <a:rPr lang="en-US" sz="3000" dirty="0">
+                <a:latin typeface="Courier" pitchFamily="2" charset="0"/>
+              </a:rPr>
+              <a:t>	List&lt;? extends Map&lt;String, ?&gt;&gt; data,</a:t>
+            </a:r>
+          </a:p>
+          <a:p>
+            <a:pPr marL="0" indent="0">
+              <a:buNone/>
+            </a:pPr>
+            <a:r>
+              <a:rPr lang="en-US" sz="3000" dirty="0">
+                <a:latin typeface="Courier" pitchFamily="2" charset="0"/>
+              </a:rPr>
+              <a:t>  Int32 resource, </a:t>
+            </a:r>
+          </a:p>
+          <a:p>
+            <a:pPr marL="0" indent="0">
+              <a:buNone/>
+            </a:pPr>
+            <a:r>
+              <a:rPr lang="en-US" sz="3000" dirty="0">
+                <a:latin typeface="Courier" pitchFamily="2" charset="0"/>
+              </a:rPr>
+              <a:t>  String[] from, </a:t>
+            </a:r>
+          </a:p>
+          <a:p>
+            <a:pPr marL="0" indent="0">
+              <a:buNone/>
+            </a:pPr>
+            <a:r>
+              <a:rPr lang="en-US" sz="3000" dirty="0">
+                <a:latin typeface="Courier" pitchFamily="2" charset="0"/>
+              </a:rPr>
+              <a:t>  </a:t>
+            </a:r>
+            <a:r>
+              <a:rPr lang="en-US" sz="3000" dirty="0" err="1">
+                <a:latin typeface="Courier" pitchFamily="2" charset="0"/>
+              </a:rPr>
+              <a:t>Int</a:t>
+            </a:r>
+            <a:r>
+              <a:rPr lang="en-US" sz="3000" dirty="0">
+                <a:latin typeface="Courier" pitchFamily="2" charset="0"/>
+              </a:rPr>
+              <a:t>[] to)</a:t>
+            </a:r>
+          </a:p>
+          <a:p>
+            <a:pPr marL="0" indent="0">
+              <a:buNone/>
+            </a:pPr>
+            <a:endParaRPr lang="en-US" i="1" dirty="0"/>
+          </a:p>
+          <a:p>
+            <a:r>
+              <a:rPr lang="en-US" sz="2800" i="1" dirty="0"/>
+              <a:t>context</a:t>
+            </a:r>
+            <a:r>
+              <a:rPr lang="en-US" sz="2800" dirty="0"/>
+              <a:t>: The host Activity context</a:t>
+            </a:r>
+          </a:p>
+          <a:p>
+            <a:r>
+              <a:rPr lang="en-US" sz="2800" i="1" dirty="0"/>
+              <a:t>data</a:t>
+            </a:r>
+            <a:r>
+              <a:rPr lang="en-US" sz="2800" dirty="0"/>
+              <a:t>: A List of any objects that extend Map</a:t>
+            </a:r>
+            <a:br>
+              <a:rPr lang="en-US" sz="2800" dirty="0"/>
+            </a:br>
+            <a:r>
+              <a:rPr lang="en-US" sz="2800" dirty="0"/>
+              <a:t>           The Map objects must have string keys, but any type values</a:t>
+            </a:r>
+          </a:p>
+          <a:p>
+            <a:r>
+              <a:rPr lang="en-US" sz="2800" i="1" dirty="0"/>
+              <a:t>resource</a:t>
+            </a:r>
+            <a:r>
+              <a:rPr lang="en-US" sz="2800" dirty="0"/>
+              <a:t>: ListView layout from </a:t>
+            </a:r>
+            <a:r>
+              <a:rPr lang="en-US" sz="2800" i="1" dirty="0" err="1"/>
+              <a:t>Android.Resource.Layout</a:t>
+            </a:r>
+            <a:endParaRPr lang="en-US" sz="2800" i="1" dirty="0"/>
+          </a:p>
+          <a:p>
+            <a:r>
+              <a:rPr lang="en-US" sz="2800" i="1" dirty="0"/>
+              <a:t>from</a:t>
+            </a:r>
+            <a:r>
+              <a:rPr lang="en-US" sz="2800" dirty="0"/>
+              <a:t>: Map keys for data source</a:t>
+            </a:r>
+          </a:p>
+          <a:p>
+            <a:r>
+              <a:rPr lang="en-US" sz="2800" i="1" dirty="0"/>
+              <a:t>to</a:t>
+            </a:r>
+            <a:r>
+              <a:rPr lang="en-US" sz="2800" dirty="0"/>
+              <a:t>: ListView widget IDs for displaying data</a:t>
+            </a:r>
+          </a:p>
+          <a:p>
+            <a:endParaRPr lang="en-US" dirty="0"/>
+          </a:p>
+        </p:txBody>
+      </p:sp>
+    </p:spTree>
+    <p:extLst>
+      <p:ext uri="{BB962C8B-B14F-4D97-AF65-F5344CB8AC3E}">
+        <p14:creationId xmlns:p14="http://schemas.microsoft.com/office/powerpoint/2010/main" val="2558767997"/>
+      </p:ext>
+    </p:extLst>
+  </p:cSld>
+  <p:clrMapOvr>
+    <a:masterClrMapping/>
+  </p:clrMapOvr>
+</p:sld>
+</file>
+
+<file path=ppt/slides/slide21.xml><?xml version="1.0" encoding="utf-8"?>
+<p:sld xmlns:a="http://schemas.openxmlformats.org/drawingml/2006/main" xmlns:r="http://schemas.openxmlformats.org/officeDocument/2006/relationships" xmlns:p="http://schemas.openxmlformats.org/presentationml/2006/main">
+  <p:cSld>
+    <p:spTree>
+      <p:nvGrpSpPr>
+        <p:cNvPr id="1" name=""/>
+        <p:cNvGrpSpPr/>
+        <p:nvPr/>
+      </p:nvGrpSpPr>
+      <p:grpSpPr>
+        <a:xfrm>
+          <a:off x="0" y="0"/>
+          <a:ext cx="0" cy="0"/>
+          <a:chOff x="0" y="0"/>
+          <a:chExt cx="0" cy="0"/>
+        </a:xfrm>
+      </p:grpSpPr>
+      <p:sp>
+        <p:nvSpPr>
+          <p:cNvPr id="2" name="Title 1"/>
+          <p:cNvSpPr>
+            <a:spLocks noGrp="1"/>
+          </p:cNvSpPr>
+          <p:nvPr>
+            <p:ph type="title"/>
+          </p:nvPr>
+        </p:nvSpPr>
+        <p:spPr>
+          <a:xfrm>
+            <a:off x="457200" y="274638"/>
+            <a:ext cx="8229600" cy="692385"/>
+          </a:xfrm>
+        </p:spPr>
+        <p:txBody>
+          <a:bodyPr>
+            <a:normAutofit fontScale="90000"/>
+          </a:bodyPr>
+          <a:lstStyle/>
+          <a:p>
+            <a:r>
+              <a:rPr lang="en-US" dirty="0">
+                <a:solidFill>
+                  <a:srgbClr val="0000FF"/>
+                </a:solidFill>
+              </a:rPr>
+              <a:t>Instantiating a </a:t>
+            </a:r>
+            <a:r>
+              <a:rPr lang="en-US" dirty="0" err="1">
+                <a:solidFill>
+                  <a:srgbClr val="0000FF"/>
+                </a:solidFill>
+              </a:rPr>
+              <a:t>SimpleAdapter</a:t>
+            </a:r>
+            <a:r>
+              <a:rPr lang="en-US" dirty="0">
+                <a:solidFill>
+                  <a:srgbClr val="0000FF"/>
+                </a:solidFill>
+              </a:rPr>
+              <a:t> </a:t>
+            </a:r>
+          </a:p>
+        </p:txBody>
+      </p:sp>
+      <p:sp>
+        <p:nvSpPr>
+          <p:cNvPr id="3" name="Content Placeholder 2"/>
+          <p:cNvSpPr>
+            <a:spLocks noGrp="1"/>
+          </p:cNvSpPr>
+          <p:nvPr>
+            <p:ph idx="1"/>
+          </p:nvPr>
+        </p:nvSpPr>
+        <p:spPr>
+          <a:xfrm>
+            <a:off x="279651" y="1130135"/>
+            <a:ext cx="8715784" cy="5539606"/>
+          </a:xfrm>
+        </p:spPr>
+        <p:txBody>
+          <a:bodyPr>
+            <a:normAutofit fontScale="47500" lnSpcReduction="20000"/>
+          </a:bodyPr>
+          <a:lstStyle/>
+          <a:p>
+            <a:pPr marL="0" indent="0">
+              <a:buNone/>
+            </a:pPr>
+            <a:r>
+              <a:rPr lang="en-US" sz="3800" b="1" dirty="0"/>
+              <a:t>In an Activity’s </a:t>
+            </a:r>
+            <a:r>
+              <a:rPr lang="en-US" sz="3800" b="1" i="1" dirty="0"/>
+              <a:t>onCreate</a:t>
+            </a:r>
+            <a:r>
+              <a:rPr lang="en-US" sz="3800" b="1" dirty="0"/>
+              <a:t> method:</a:t>
+            </a:r>
+          </a:p>
+          <a:p>
+            <a:pPr marL="0" indent="0">
+              <a:buNone/>
+            </a:pPr>
+            <a:endParaRPr lang="en-US" sz="3600" dirty="0">
+              <a:latin typeface="Courier" pitchFamily="2" charset="0"/>
+            </a:endParaRPr>
+          </a:p>
+          <a:p>
+            <a:pPr marL="0" indent="0">
+              <a:buNone/>
+            </a:pPr>
+            <a:r>
+              <a:rPr lang="en-US" sz="3800" dirty="0">
+                <a:solidFill>
+                  <a:schemeClr val="bg2">
+                    <a:lumMod val="50000"/>
+                  </a:schemeClr>
+                </a:solidFill>
+                <a:latin typeface="Courier" pitchFamily="2" charset="0"/>
+              </a:rPr>
+              <a:t>// Create a List that will hold Map objects</a:t>
+            </a:r>
+          </a:p>
+          <a:p>
+            <a:pPr marL="0" indent="0">
+              <a:buNone/>
+            </a:pPr>
+            <a:r>
+              <a:rPr lang="en-US" sz="3800" dirty="0" err="1">
+                <a:latin typeface="Courier" pitchFamily="2" charset="0"/>
+              </a:rPr>
+              <a:t>ArrayList</a:t>
+            </a:r>
+            <a:r>
+              <a:rPr lang="en-US" sz="3800" dirty="0">
+                <a:latin typeface="Courier" pitchFamily="2" charset="0"/>
+              </a:rPr>
+              <a:t>&lt;</a:t>
+            </a:r>
+            <a:r>
+              <a:rPr lang="en-US" sz="3800" dirty="0" err="1">
+                <a:latin typeface="Courier" pitchFamily="2" charset="0"/>
+              </a:rPr>
+              <a:t>HashMap</a:t>
+            </a:r>
+            <a:r>
+              <a:rPr lang="en-US" sz="3800" dirty="0">
+                <a:latin typeface="Courier" pitchFamily="2" charset="0"/>
+              </a:rPr>
+              <a:t>&lt;String, String&gt;&gt; data = </a:t>
+            </a:r>
+            <a:r>
+              <a:rPr lang="en-US" sz="3800" b="1" dirty="0">
+                <a:latin typeface="Courier" pitchFamily="2" charset="0"/>
+              </a:rPr>
+              <a:t>new</a:t>
+            </a:r>
+            <a:br>
+              <a:rPr lang="en-US" sz="3800" b="1" dirty="0">
+                <a:latin typeface="Courier" pitchFamily="2" charset="0"/>
+              </a:rPr>
+            </a:br>
+            <a:r>
+              <a:rPr lang="en-US" sz="3800" b="1" dirty="0">
+                <a:latin typeface="Courier" pitchFamily="2" charset="0"/>
+              </a:rPr>
+              <a:t>          </a:t>
+            </a:r>
+            <a:r>
+              <a:rPr lang="en-US" sz="3800" dirty="0" err="1">
+                <a:latin typeface="Courier" pitchFamily="2" charset="0"/>
+              </a:rPr>
+              <a:t>ArrayList</a:t>
+            </a:r>
+            <a:r>
+              <a:rPr lang="en-US" sz="3800" dirty="0">
+                <a:latin typeface="Courier" pitchFamily="2" charset="0"/>
+              </a:rPr>
+              <a:t>&lt;</a:t>
+            </a:r>
+            <a:r>
+              <a:rPr lang="en-US" sz="3800" dirty="0" err="1">
+                <a:latin typeface="Courier" pitchFamily="2" charset="0"/>
+              </a:rPr>
+              <a:t>HashMap</a:t>
+            </a:r>
+            <a:r>
+              <a:rPr lang="en-US" sz="3800" dirty="0">
+                <a:latin typeface="Courier" pitchFamily="2" charset="0"/>
+              </a:rPr>
+              <a:t>&lt;String, String&gt;&gt;();</a:t>
+            </a:r>
+          </a:p>
+          <a:p>
+            <a:pPr marL="0" indent="0">
+              <a:buNone/>
+            </a:pPr>
+            <a:br>
+              <a:rPr lang="en-US" sz="3800" dirty="0">
+                <a:latin typeface="Courier" pitchFamily="2" charset="0"/>
+              </a:rPr>
+            </a:br>
+            <a:r>
+              <a:rPr lang="en-US" sz="3800" dirty="0">
+                <a:solidFill>
+                  <a:schemeClr val="bg2">
+                    <a:lumMod val="50000"/>
+                  </a:schemeClr>
+                </a:solidFill>
+                <a:latin typeface="Courier" pitchFamily="2" charset="0"/>
+              </a:rPr>
+              <a:t>// In a loop (not shown) create Map objects, add data and put them in the List</a:t>
+            </a:r>
+          </a:p>
+          <a:p>
+            <a:pPr marL="0" indent="0">
+              <a:buNone/>
+            </a:pPr>
+            <a:r>
+              <a:rPr lang="en-US" sz="3800" dirty="0" err="1"/>
+              <a:t>HashMap</a:t>
+            </a:r>
+            <a:r>
+              <a:rPr lang="en-US" sz="3800" dirty="0"/>
+              <a:t>&lt;String, String&gt; map = </a:t>
+            </a:r>
+            <a:r>
+              <a:rPr lang="en-US" sz="3800" b="1" dirty="0"/>
+              <a:t>new </a:t>
+            </a:r>
+            <a:r>
+              <a:rPr lang="en-US" sz="3800" dirty="0" err="1"/>
+              <a:t>HashMap</a:t>
+            </a:r>
+            <a:r>
+              <a:rPr lang="en-US" sz="3800" dirty="0"/>
+              <a:t>&lt;String, String&gt;();</a:t>
+            </a:r>
+            <a:br>
+              <a:rPr lang="en-US" sz="3800" dirty="0"/>
+            </a:br>
+            <a:r>
+              <a:rPr lang="en-US" sz="3800" dirty="0" err="1"/>
+              <a:t>map.put</a:t>
+            </a:r>
+            <a:r>
+              <a:rPr lang="en-US" sz="3800" dirty="0"/>
+              <a:t>(“Date”, “7/10/18”)</a:t>
+            </a:r>
+            <a:br>
+              <a:rPr lang="en-US" sz="3800" i="1" dirty="0"/>
+            </a:br>
+            <a:r>
+              <a:rPr lang="en-US" sz="3800" dirty="0" err="1"/>
+              <a:t>map.put</a:t>
+            </a:r>
+            <a:r>
+              <a:rPr lang="en-US" sz="3800" dirty="0"/>
+              <a:t>(”</a:t>
+            </a:r>
+            <a:r>
+              <a:rPr lang="en-US" sz="3800" dirty="0" err="1"/>
+              <a:t>Image_Name</a:t>
+            </a:r>
+            <a:r>
+              <a:rPr lang="en-US" sz="3800" dirty="0"/>
+              <a:t>”, “</a:t>
+            </a:r>
+            <a:r>
+              <a:rPr lang="en-US" sz="3800" dirty="0" err="1"/>
+              <a:t>sun.png</a:t>
+            </a:r>
+            <a:r>
+              <a:rPr lang="en-US" sz="3800" dirty="0"/>
+              <a:t>”</a:t>
+            </a:r>
+            <a:br>
+              <a:rPr lang="en-US" sz="3800" dirty="0"/>
+            </a:br>
+            <a:r>
+              <a:rPr lang="en-US" sz="3800" dirty="0" err="1"/>
+              <a:t>data.add</a:t>
+            </a:r>
+            <a:r>
+              <a:rPr lang="en-US" sz="3800" dirty="0"/>
+              <a:t>(map);</a:t>
+            </a:r>
+          </a:p>
+          <a:p>
+            <a:pPr marL="0" indent="0">
+              <a:buNone/>
+            </a:pPr>
+            <a:endParaRPr lang="en-US" sz="3800" dirty="0">
+              <a:latin typeface="Courier" pitchFamily="2" charset="0"/>
+            </a:endParaRPr>
+          </a:p>
+          <a:p>
+            <a:pPr marL="0" indent="0">
+              <a:buNone/>
+            </a:pPr>
+            <a:r>
+              <a:rPr lang="en-US" sz="3800" dirty="0">
+                <a:solidFill>
+                  <a:schemeClr val="bg2">
+                    <a:lumMod val="50000"/>
+                  </a:schemeClr>
+                </a:solidFill>
+                <a:latin typeface="Courier" pitchFamily="2" charset="0"/>
+              </a:rPr>
+              <a:t>// Create the adapter object</a:t>
+            </a:r>
+          </a:p>
+          <a:p>
+            <a:pPr marL="0" indent="0">
+              <a:buNone/>
+            </a:pPr>
+            <a:r>
+              <a:rPr lang="en-US" sz="3800" dirty="0" err="1">
+                <a:latin typeface="Courier" pitchFamily="2" charset="0"/>
+              </a:rPr>
+              <a:t>SimpleAdapter</a:t>
+            </a:r>
+            <a:r>
+              <a:rPr lang="en-US" sz="3800" dirty="0">
+                <a:latin typeface="Courier" pitchFamily="2" charset="0"/>
+              </a:rPr>
+              <a:t> adapter = </a:t>
+            </a:r>
+            <a:r>
+              <a:rPr lang="en-US" sz="3800" b="1" dirty="0">
+                <a:latin typeface="Courier" pitchFamily="2" charset="0"/>
+              </a:rPr>
+              <a:t>new </a:t>
+            </a:r>
+            <a:r>
+              <a:rPr lang="en-US" sz="3800" dirty="0" err="1">
+                <a:latin typeface="Courier" pitchFamily="2" charset="0"/>
+              </a:rPr>
+              <a:t>SimpleAdapter</a:t>
+            </a:r>
+            <a:r>
+              <a:rPr lang="en-US" sz="3800" dirty="0">
+                <a:latin typeface="Courier" pitchFamily="2" charset="0"/>
+              </a:rPr>
+              <a:t>(</a:t>
+            </a:r>
+            <a:r>
+              <a:rPr lang="en-US" sz="3800" b="1" dirty="0">
+                <a:latin typeface="Courier" pitchFamily="2" charset="0"/>
+              </a:rPr>
+              <a:t>this</a:t>
+            </a:r>
+            <a:r>
+              <a:rPr lang="en-US" sz="3800" dirty="0">
+                <a:latin typeface="Courier" pitchFamily="2" charset="0"/>
+              </a:rPr>
+              <a:t>,</a:t>
+            </a:r>
+            <a:br>
+              <a:rPr lang="en-US" sz="3800" dirty="0">
+                <a:latin typeface="Courier" pitchFamily="2" charset="0"/>
+              </a:rPr>
+            </a:br>
+            <a:r>
+              <a:rPr lang="en-US" sz="3800" dirty="0">
+                <a:latin typeface="Courier" pitchFamily="2" charset="0"/>
+              </a:rPr>
+              <a:t>       data,</a:t>
+            </a:r>
+            <a:br>
+              <a:rPr lang="en-US" sz="3800" dirty="0">
+                <a:latin typeface="Courier" pitchFamily="2" charset="0"/>
+              </a:rPr>
+            </a:br>
+            <a:r>
+              <a:rPr lang="en-US" sz="3800" dirty="0">
+                <a:latin typeface="Courier" pitchFamily="2" charset="0"/>
+              </a:rPr>
+              <a:t>       </a:t>
+            </a:r>
+            <a:r>
+              <a:rPr lang="en-US" sz="3800" dirty="0" err="1">
+                <a:latin typeface="Courier" pitchFamily="2" charset="0"/>
+              </a:rPr>
+              <a:t>R.layout.</a:t>
+            </a:r>
+            <a:r>
+              <a:rPr lang="en-US" sz="3800" b="1" i="1" dirty="0" err="1">
+                <a:latin typeface="Courier" pitchFamily="2" charset="0"/>
+              </a:rPr>
+              <a:t>listview_items</a:t>
+            </a:r>
+            <a:r>
+              <a:rPr lang="en-US" sz="3800" dirty="0">
+                <a:latin typeface="Courier" pitchFamily="2" charset="0"/>
+              </a:rPr>
+              <a:t>,</a:t>
+            </a:r>
+            <a:br>
+              <a:rPr lang="en-US" sz="3800" dirty="0">
+                <a:latin typeface="Courier" pitchFamily="2" charset="0"/>
+              </a:rPr>
+            </a:br>
+            <a:r>
+              <a:rPr lang="en-US" sz="3800" dirty="0">
+                <a:latin typeface="Courier" pitchFamily="2" charset="0"/>
+              </a:rPr>
+              <a:t>       </a:t>
+            </a:r>
+            <a:r>
+              <a:rPr lang="en-US" sz="3800" b="1" dirty="0">
+                <a:latin typeface="Courier" pitchFamily="2" charset="0"/>
+              </a:rPr>
+              <a:t>new </a:t>
+            </a:r>
+            <a:r>
+              <a:rPr lang="en-US" sz="3800" dirty="0">
+                <a:latin typeface="Courier" pitchFamily="2" charset="0"/>
+              </a:rPr>
+              <a:t>String[]{“</a:t>
+            </a:r>
+            <a:r>
+              <a:rPr lang="en-US" sz="3800" dirty="0" err="1">
+                <a:latin typeface="Courier" pitchFamily="2" charset="0"/>
+              </a:rPr>
+              <a:t>Image_Name</a:t>
+            </a:r>
+            <a:r>
+              <a:rPr lang="en-US" sz="3800" dirty="0">
+                <a:latin typeface="Courier" pitchFamily="2" charset="0"/>
+              </a:rPr>
+              <a:t>”,</a:t>
+            </a:r>
+            <a:r>
+              <a:rPr lang="en-US" sz="3800" dirty="0"/>
+              <a:t> “Date”</a:t>
+            </a:r>
+            <a:r>
+              <a:rPr lang="en-US" sz="3800" dirty="0">
+                <a:latin typeface="Courier" pitchFamily="2" charset="0"/>
+              </a:rPr>
+              <a:t>},</a:t>
+            </a:r>
+            <a:br>
+              <a:rPr lang="en-US" sz="3800" dirty="0">
+                <a:latin typeface="Courier" pitchFamily="2" charset="0"/>
+              </a:rPr>
+            </a:br>
+            <a:r>
+              <a:rPr lang="en-US" sz="3800" dirty="0">
+                <a:latin typeface="Courier" pitchFamily="2" charset="0"/>
+              </a:rPr>
+              <a:t>       </a:t>
+            </a:r>
+            <a:r>
+              <a:rPr lang="en-US" sz="3800" b="1" dirty="0">
+                <a:latin typeface="Courier" pitchFamily="2" charset="0"/>
+              </a:rPr>
+              <a:t>new </a:t>
+            </a:r>
+            <a:r>
+              <a:rPr lang="en-US" sz="3800" b="1" dirty="0" err="1">
+                <a:latin typeface="Courier" pitchFamily="2" charset="0"/>
+              </a:rPr>
+              <a:t>int</a:t>
+            </a:r>
+            <a:r>
+              <a:rPr lang="en-US" sz="3800" dirty="0">
+                <a:latin typeface="Courier" pitchFamily="2" charset="0"/>
+              </a:rPr>
+              <a:t>[]{</a:t>
+            </a:r>
+            <a:r>
+              <a:rPr lang="en-US" sz="3800" dirty="0" err="1">
+                <a:latin typeface="Courier" pitchFamily="2" charset="0"/>
+              </a:rPr>
+              <a:t>R.id.</a:t>
+            </a:r>
+            <a:r>
+              <a:rPr lang="en-US" sz="3800" b="1" i="1" dirty="0" err="1">
+                <a:latin typeface="Courier" pitchFamily="2" charset="0"/>
+              </a:rPr>
+              <a:t>iconImageView</a:t>
+            </a:r>
+            <a:r>
+              <a:rPr lang="en-US" sz="3800" dirty="0">
+                <a:latin typeface="Courier" pitchFamily="2" charset="0"/>
+              </a:rPr>
+              <a:t>,</a:t>
+            </a:r>
+            <a:br>
+              <a:rPr lang="en-US" sz="3800" dirty="0">
+                <a:latin typeface="Courier" pitchFamily="2" charset="0"/>
+              </a:rPr>
+            </a:br>
+            <a:r>
+              <a:rPr lang="en-US" sz="3800" dirty="0">
+                <a:latin typeface="Courier" pitchFamily="2" charset="0"/>
+              </a:rPr>
+              <a:t>               </a:t>
+            </a:r>
+            <a:r>
+              <a:rPr lang="en-US" sz="3800" dirty="0" err="1">
+                <a:latin typeface="Courier" pitchFamily="2" charset="0"/>
+              </a:rPr>
+              <a:t>R.id.</a:t>
+            </a:r>
+            <a:r>
+              <a:rPr lang="en-US" sz="3800" b="1" i="1" dirty="0" err="1">
+                <a:latin typeface="Courier" pitchFamily="2" charset="0"/>
+              </a:rPr>
+              <a:t>dateTextView</a:t>
+            </a:r>
+            <a:br>
+              <a:rPr lang="en-US" sz="3800" b="1" i="1" dirty="0">
+                <a:latin typeface="Courier" pitchFamily="2" charset="0"/>
+              </a:rPr>
+            </a:br>
+            <a:r>
+              <a:rPr lang="en-US" sz="3800" b="1" i="1" dirty="0">
+                <a:latin typeface="Courier" pitchFamily="2" charset="0"/>
+              </a:rPr>
+              <a:t>               </a:t>
+            </a:r>
+            <a:r>
+              <a:rPr lang="en-US" sz="3800" dirty="0">
+                <a:latin typeface="Courier" pitchFamily="2" charset="0"/>
+              </a:rPr>
+              <a:t>}</a:t>
+            </a:r>
+            <a:br>
+              <a:rPr lang="en-US" sz="3800" dirty="0">
+                <a:latin typeface="Courier" pitchFamily="2" charset="0"/>
+              </a:rPr>
+            </a:br>
+            <a:r>
+              <a:rPr lang="en-US" sz="3800" dirty="0">
+                <a:latin typeface="Courier" pitchFamily="2" charset="0"/>
+              </a:rPr>
+              <a:t>      );</a:t>
+            </a:r>
+          </a:p>
+          <a:p>
+            <a:endParaRPr lang="en-US" dirty="0"/>
+          </a:p>
+        </p:txBody>
+      </p:sp>
+    </p:spTree>
+    <p:extLst>
+      <p:ext uri="{BB962C8B-B14F-4D97-AF65-F5344CB8AC3E}">
+        <p14:creationId xmlns:p14="http://schemas.microsoft.com/office/powerpoint/2010/main" val="2205934727"/>
+      </p:ext>
+    </p:extLst>
+  </p:cSld>
+  <p:clrMapOvr>
+    <a:masterClrMapping/>
+  </p:clrMapOvr>
+</p:sld>
+</file>
+
+<file path=ppt/slides/slide22.xml><?xml version="1.0" encoding="utf-8"?>
+<p:sld xmlns:a="http://schemas.openxmlformats.org/drawingml/2006/main" xmlns:r="http://schemas.openxmlformats.org/officeDocument/2006/relationships" xmlns:p="http://schemas.openxmlformats.org/presentationml/2006/main">
+  <p:cSld>
+    <p:bg>
+      <p:bgPr>
+        <a:gradFill flip="none" rotWithShape="1">
+          <a:gsLst>
+            <a:gs pos="100000">
+              <a:schemeClr val="tx1">
+                <a:lumMod val="65000"/>
+                <a:lumOff val="35000"/>
+              </a:schemeClr>
+            </a:gs>
+            <a:gs pos="55000">
+              <a:schemeClr val="bg1">
+                <a:lumMod val="75000"/>
+              </a:schemeClr>
+            </a:gs>
+          </a:gsLst>
+          <a:lin ang="5400000" scaled="0"/>
+          <a:tileRect/>
+        </a:gradFill>
+        <a:effectLst/>
+      </p:bgPr>
+    </p:bg>
+    <p:spTree>
+      <p:nvGrpSpPr>
+        <p:cNvPr id="1" name=""/>
+        <p:cNvGrpSpPr/>
+        <p:nvPr/>
+      </p:nvGrpSpPr>
+      <p:grpSpPr>
+        <a:xfrm>
+          <a:off x="0" y="0"/>
+          <a:ext cx="0" cy="0"/>
+          <a:chOff x="0" y="0"/>
+          <a:chExt cx="0" cy="0"/>
+        </a:xfrm>
+      </p:grpSpPr>
+      <p:sp>
+        <p:nvSpPr>
+          <p:cNvPr id="7" name="TextBox 6"/>
+          <p:cNvSpPr txBox="1"/>
+          <p:nvPr/>
+        </p:nvSpPr>
+        <p:spPr>
+          <a:xfrm>
+            <a:off x="838199" y="120519"/>
+            <a:ext cx="8305801" cy="1107996"/>
+          </a:xfrm>
+          <a:prstGeom prst="rect">
+            <a:avLst/>
+          </a:prstGeom>
+          <a:noFill/>
+        </p:spPr>
+        <p:txBody>
+          <a:bodyPr wrap="square" rtlCol="0">
+            <a:spAutoFit/>
+          </a:bodyPr>
+          <a:lstStyle/>
+          <a:p>
+            <a:r>
+              <a:rPr lang="en-US" sz="6600" dirty="0">
+                <a:solidFill>
+                  <a:srgbClr val="2D2DB9"/>
+                </a:solidFill>
+              </a:rPr>
+              <a:t>Adapters</a:t>
+            </a:r>
+          </a:p>
+        </p:txBody>
+      </p:sp>
+      <p:pic>
+        <p:nvPicPr>
+          <p:cNvPr id="2" name="Picture 1"/>
+          <p:cNvPicPr>
+            <a:picLocks noChangeAspect="1"/>
+          </p:cNvPicPr>
+          <p:nvPr/>
+        </p:nvPicPr>
+        <p:blipFill>
+          <a:blip r:embed="rId3"/>
+          <a:stretch>
+            <a:fillRect/>
+          </a:stretch>
+        </p:blipFill>
+        <p:spPr>
+          <a:xfrm>
+            <a:off x="838200" y="1228516"/>
+            <a:ext cx="1474694" cy="1474694"/>
+          </a:xfrm>
+          <a:prstGeom prst="rect">
+            <a:avLst/>
+          </a:prstGeom>
+        </p:spPr>
+      </p:pic>
+      <p:sp>
+        <p:nvSpPr>
+          <p:cNvPr id="4" name="TextBox 3">
+            <a:extLst>
+              <a:ext uri="{FF2B5EF4-FFF2-40B4-BE49-F238E27FC236}">
+                <a16:creationId xmlns:a16="http://schemas.microsoft.com/office/drawing/2014/main" id="{A1474CE1-1B9A-3445-B50D-8966F503233B}"/>
+              </a:ext>
+            </a:extLst>
+          </p:cNvPr>
+          <p:cNvSpPr txBox="1"/>
+          <p:nvPr/>
+        </p:nvSpPr>
+        <p:spPr>
+          <a:xfrm>
+            <a:off x="3740611" y="2703210"/>
+            <a:ext cx="3975672" cy="2123658"/>
+          </a:xfrm>
+          <a:prstGeom prst="rect">
+            <a:avLst/>
+          </a:prstGeom>
+          <a:noFill/>
+        </p:spPr>
+        <p:txBody>
+          <a:bodyPr wrap="square" rtlCol="0">
+            <a:spAutoFit/>
+          </a:bodyPr>
+          <a:lstStyle/>
+          <a:p>
+            <a:r>
+              <a:rPr lang="en-US" sz="6600" dirty="0">
+                <a:solidFill>
+                  <a:srgbClr val="2D2DB9"/>
+                </a:solidFill>
+              </a:rPr>
+              <a:t>Cursor Adapter</a:t>
+            </a:r>
+          </a:p>
+        </p:txBody>
+      </p:sp>
+    </p:spTree>
+    <p:extLst>
+      <p:ext uri="{BB962C8B-B14F-4D97-AF65-F5344CB8AC3E}">
+        <p14:creationId xmlns:p14="http://schemas.microsoft.com/office/powerpoint/2010/main" val="4114831984"/>
+      </p:ext>
+    </p:extLst>
+  </p:cSld>
+  <p:clrMapOvr>
+    <a:masterClrMapping/>
+  </p:clrMapOvr>
+</p:sld>
+</file>
+
+<file path=ppt/slides/slide23.xml><?xml version="1.0" encoding="utf-8"?>
+<p:sld xmlns:a="http://schemas.openxmlformats.org/drawingml/2006/main" xmlns:r="http://schemas.openxmlformats.org/officeDocument/2006/relationships" xmlns:p="http://schemas.openxmlformats.org/presentationml/2006/main">
+  <p:cSld>
+    <p:spTree>
+      <p:nvGrpSpPr>
+        <p:cNvPr id="1" name=""/>
+        <p:cNvGrpSpPr/>
+        <p:nvPr/>
+      </p:nvGrpSpPr>
+      <p:grpSpPr>
+        <a:xfrm>
+          <a:off x="0" y="0"/>
+          <a:ext cx="0" cy="0"/>
+          <a:chOff x="0" y="0"/>
+          <a:chExt cx="0" cy="0"/>
+        </a:xfrm>
+      </p:grpSpPr>
+      <p:sp>
+        <p:nvSpPr>
+          <p:cNvPr id="2" name="Title 1"/>
+          <p:cNvSpPr>
+            <a:spLocks noGrp="1"/>
+          </p:cNvSpPr>
+          <p:nvPr>
+            <p:ph type="title"/>
+          </p:nvPr>
+        </p:nvSpPr>
+        <p:spPr>
+          <a:xfrm>
+            <a:off x="457200" y="274638"/>
+            <a:ext cx="8229600" cy="932860"/>
+          </a:xfrm>
+        </p:spPr>
+        <p:txBody>
+          <a:bodyPr/>
+          <a:lstStyle/>
+          <a:p>
+            <a:r>
+              <a:rPr lang="en-US" dirty="0" err="1">
+                <a:solidFill>
+                  <a:srgbClr val="0000FF"/>
+                </a:solidFill>
+              </a:rPr>
+              <a:t>SimpleCursorAdapter</a:t>
+            </a:r>
+            <a:r>
+              <a:rPr lang="en-US" dirty="0">
+                <a:solidFill>
+                  <a:srgbClr val="0000FF"/>
+                </a:solidFill>
+              </a:rPr>
+              <a:t> Overview</a:t>
+            </a:r>
+          </a:p>
+        </p:txBody>
+      </p:sp>
+      <p:sp>
+        <p:nvSpPr>
+          <p:cNvPr id="3" name="Content Placeholder 2"/>
+          <p:cNvSpPr>
+            <a:spLocks noGrp="1"/>
+          </p:cNvSpPr>
+          <p:nvPr>
+            <p:ph idx="1"/>
+          </p:nvPr>
+        </p:nvSpPr>
+        <p:spPr>
+          <a:xfrm>
+            <a:off x="457200" y="1207500"/>
+            <a:ext cx="8229600" cy="1640152"/>
+          </a:xfrm>
+        </p:spPr>
+        <p:txBody>
+          <a:bodyPr>
+            <a:normAutofit/>
+          </a:bodyPr>
+          <a:lstStyle/>
+          <a:p>
+            <a:r>
+              <a:rPr lang="en-US" sz="2800" dirty="0"/>
+              <a:t>Used with a Cursor from a SQLite Database</a:t>
+            </a:r>
+          </a:p>
+          <a:p>
+            <a:r>
+              <a:rPr lang="en-US" sz="2800" dirty="0"/>
+              <a:t>Each row in the Cursor object corresponds to a row in the </a:t>
+            </a:r>
+            <a:r>
+              <a:rPr lang="en-US" sz="2800" dirty="0" err="1"/>
+              <a:t>ListView</a:t>
+            </a:r>
+            <a:endParaRPr lang="en-US" sz="2800" dirty="0"/>
+          </a:p>
+          <a:p>
+            <a:pPr marL="0" indent="0">
+              <a:buNone/>
+            </a:pPr>
+            <a:endParaRPr lang="en-US" dirty="0"/>
+          </a:p>
+        </p:txBody>
+      </p:sp>
+      <p:graphicFrame>
+        <p:nvGraphicFramePr>
+          <p:cNvPr id="6" name="Table 5">
+            <a:extLst>
+              <a:ext uri="{FF2B5EF4-FFF2-40B4-BE49-F238E27FC236}">
+                <a16:creationId xmlns:a16="http://schemas.microsoft.com/office/drawing/2014/main" id="{B32E7B72-E9E1-9844-950D-D95C712AE1D5}"/>
+              </a:ext>
+            </a:extLst>
+          </p:cNvPr>
+          <p:cNvGraphicFramePr>
+            <a:graphicFrameLocks noGrp="1"/>
+          </p:cNvGraphicFramePr>
+          <p:nvPr>
+            <p:extLst>
+              <p:ext uri="{D42A27DB-BD31-4B8C-83A1-F6EECF244321}">
+                <p14:modId xmlns:p14="http://schemas.microsoft.com/office/powerpoint/2010/main" val="3121809982"/>
+              </p:ext>
+            </p:extLst>
+          </p:nvPr>
+        </p:nvGraphicFramePr>
+        <p:xfrm>
+          <a:off x="4208931" y="5002904"/>
+          <a:ext cx="4464423" cy="1483360"/>
+        </p:xfrm>
+        <a:graphic>
+          <a:graphicData uri="http://schemas.openxmlformats.org/drawingml/2006/table">
+            <a:tbl>
+              <a:tblPr firstRow="1" bandRow="1">
+                <a:tableStyleId>{5C22544A-7EE6-4342-B048-85BDC9FD1C3A}</a:tableStyleId>
+              </a:tblPr>
+              <a:tblGrid>
+                <a:gridCol w="1488141">
+                  <a:extLst>
+                    <a:ext uri="{9D8B030D-6E8A-4147-A177-3AD203B41FA5}">
+                      <a16:colId xmlns:a16="http://schemas.microsoft.com/office/drawing/2014/main" val="3463673177"/>
+                    </a:ext>
+                  </a:extLst>
+                </a:gridCol>
+                <a:gridCol w="1488141">
+                  <a:extLst>
+                    <a:ext uri="{9D8B030D-6E8A-4147-A177-3AD203B41FA5}">
+                      <a16:colId xmlns:a16="http://schemas.microsoft.com/office/drawing/2014/main" val="382414278"/>
+                    </a:ext>
+                  </a:extLst>
+                </a:gridCol>
+                <a:gridCol w="1488141">
+                  <a:extLst>
+                    <a:ext uri="{9D8B030D-6E8A-4147-A177-3AD203B41FA5}">
+                      <a16:colId xmlns:a16="http://schemas.microsoft.com/office/drawing/2014/main" val="876642300"/>
+                    </a:ext>
+                  </a:extLst>
+                </a:gridCol>
+              </a:tblGrid>
+              <a:tr h="370840">
+                <a:tc>
+                  <a:txBody>
+                    <a:bodyPr/>
+                    <a:lstStyle/>
+                    <a:p>
+                      <a:r>
+                        <a:rPr lang="en-US" dirty="0"/>
+                        <a:t>First Name</a:t>
+                      </a:r>
+                    </a:p>
+                  </a:txBody>
+                  <a:tcPr/>
+                </a:tc>
+                <a:tc>
+                  <a:txBody>
+                    <a:bodyPr/>
+                    <a:lstStyle/>
+                    <a:p>
+                      <a:r>
+                        <a:rPr lang="en-US" dirty="0"/>
+                        <a:t>Last Name</a:t>
+                      </a:r>
+                    </a:p>
+                  </a:txBody>
+                  <a:tcPr/>
+                </a:tc>
+                <a:tc>
+                  <a:txBody>
+                    <a:bodyPr/>
+                    <a:lstStyle/>
+                    <a:p>
+                      <a:r>
+                        <a:rPr lang="en-US" dirty="0"/>
+                        <a:t>Phone</a:t>
+                      </a:r>
+                    </a:p>
+                  </a:txBody>
+                  <a:tcPr/>
+                </a:tc>
+                <a:extLst>
+                  <a:ext uri="{0D108BD9-81ED-4DB2-BD59-A6C34878D82A}">
+                    <a16:rowId xmlns:a16="http://schemas.microsoft.com/office/drawing/2014/main" val="4037679736"/>
+                  </a:ext>
+                </a:extLst>
+              </a:tr>
+              <a:tr h="370840">
+                <a:tc>
+                  <a:txBody>
+                    <a:bodyPr/>
+                    <a:lstStyle/>
+                    <a:p>
+                      <a:r>
+                        <a:rPr lang="en-US" dirty="0"/>
+                        <a:t>Clyde</a:t>
+                      </a:r>
+                    </a:p>
+                  </a:txBody>
+                  <a:tcPr/>
+                </a:tc>
+                <a:tc>
+                  <a:txBody>
+                    <a:bodyPr/>
+                    <a:lstStyle/>
+                    <a:p>
+                      <a:r>
+                        <a:rPr lang="en-US" dirty="0"/>
+                        <a:t>Drexler</a:t>
+                      </a:r>
+                    </a:p>
+                  </a:txBody>
+                  <a:tcPr/>
+                </a:tc>
+                <a:tc>
+                  <a:txBody>
+                    <a:bodyPr/>
+                    <a:lstStyle/>
+                    <a:p>
+                      <a:r>
+                        <a:rPr lang="en-US" dirty="0"/>
+                        <a:t>456-789-1234</a:t>
+                      </a:r>
+                    </a:p>
+                  </a:txBody>
+                  <a:tcPr/>
+                </a:tc>
+                <a:extLst>
+                  <a:ext uri="{0D108BD9-81ED-4DB2-BD59-A6C34878D82A}">
+                    <a16:rowId xmlns:a16="http://schemas.microsoft.com/office/drawing/2014/main" val="2714366056"/>
+                  </a:ext>
+                </a:extLst>
+              </a:tr>
+              <a:tr h="370840">
+                <a:tc>
+                  <a:txBody>
+                    <a:bodyPr/>
+                    <a:lstStyle/>
+                    <a:p>
+                      <a:r>
+                        <a:rPr lang="en-US" dirty="0"/>
+                        <a:t>Satya</a:t>
+                      </a:r>
+                    </a:p>
+                  </a:txBody>
+                  <a:tcPr/>
+                </a:tc>
+                <a:tc>
+                  <a:txBody>
+                    <a:bodyPr/>
+                    <a:lstStyle/>
+                    <a:p>
+                      <a:r>
+                        <a:rPr lang="en-US" dirty="0"/>
+                        <a:t>Nadella</a:t>
+                      </a:r>
+                    </a:p>
+                  </a:txBody>
+                  <a:tcPr/>
+                </a:tc>
+                <a:tc>
+                  <a:txBody>
+                    <a:bodyPr/>
+                    <a:lstStyle/>
+                    <a:p>
+                      <a:r>
+                        <a:rPr lang="en-US" dirty="0"/>
+                        <a:t>567-891-2345</a:t>
+                      </a:r>
+                    </a:p>
+                  </a:txBody>
+                  <a:tcPr/>
+                </a:tc>
+                <a:extLst>
+                  <a:ext uri="{0D108BD9-81ED-4DB2-BD59-A6C34878D82A}">
+                    <a16:rowId xmlns:a16="http://schemas.microsoft.com/office/drawing/2014/main" val="1021840945"/>
+                  </a:ext>
+                </a:extLst>
+              </a:tr>
+              <a:tr h="370840">
+                <a:tc>
+                  <a:txBody>
+                    <a:bodyPr/>
+                    <a:lstStyle/>
+                    <a:p>
+                      <a:r>
+                        <a:rPr lang="en-US" dirty="0"/>
+                        <a:t>John</a:t>
+                      </a:r>
+                    </a:p>
+                  </a:txBody>
+                  <a:tcPr/>
+                </a:tc>
+                <a:tc>
+                  <a:txBody>
+                    <a:bodyPr/>
+                    <a:lstStyle/>
+                    <a:p>
+                      <a:r>
+                        <a:rPr lang="en-US" dirty="0"/>
+                        <a:t>Grisham</a:t>
+                      </a:r>
+                    </a:p>
+                  </a:txBody>
+                  <a:tcPr/>
+                </a:tc>
+                <a:tc>
+                  <a:txBody>
+                    <a:bodyPr/>
+                    <a:lstStyle/>
+                    <a:p>
+                      <a:r>
+                        <a:rPr lang="en-US" dirty="0"/>
+                        <a:t>678-912-3456</a:t>
+                      </a:r>
+                    </a:p>
+                  </a:txBody>
+                  <a:tcPr/>
+                </a:tc>
+                <a:extLst>
+                  <a:ext uri="{0D108BD9-81ED-4DB2-BD59-A6C34878D82A}">
+                    <a16:rowId xmlns:a16="http://schemas.microsoft.com/office/drawing/2014/main" val="3189302705"/>
+                  </a:ext>
+                </a:extLst>
+              </a:tr>
+            </a:tbl>
+          </a:graphicData>
+        </a:graphic>
+      </p:graphicFrame>
+      <p:sp>
+        <p:nvSpPr>
+          <p:cNvPr id="7" name="TextBox 6">
+            <a:extLst>
+              <a:ext uri="{FF2B5EF4-FFF2-40B4-BE49-F238E27FC236}">
+                <a16:creationId xmlns:a16="http://schemas.microsoft.com/office/drawing/2014/main" id="{27DA729D-61FD-EF48-8C85-81D3D09F3BF7}"/>
+              </a:ext>
+            </a:extLst>
+          </p:cNvPr>
+          <p:cNvSpPr txBox="1"/>
+          <p:nvPr/>
+        </p:nvSpPr>
+        <p:spPr>
+          <a:xfrm>
+            <a:off x="3948779" y="3955983"/>
+            <a:ext cx="1192307" cy="369332"/>
+          </a:xfrm>
+          <a:prstGeom prst="rect">
+            <a:avLst/>
+          </a:prstGeom>
+          <a:noFill/>
+        </p:spPr>
+        <p:txBody>
+          <a:bodyPr wrap="square" rtlCol="0">
+            <a:spAutoFit/>
+          </a:bodyPr>
+          <a:lstStyle/>
+          <a:p>
+            <a:r>
+              <a:rPr lang="en-US" dirty="0" err="1"/>
+              <a:t>ListView</a:t>
+            </a:r>
+            <a:endParaRPr lang="en-US" dirty="0"/>
+          </a:p>
+        </p:txBody>
+      </p:sp>
+      <p:graphicFrame>
+        <p:nvGraphicFramePr>
+          <p:cNvPr id="9" name="Table 8">
+            <a:extLst>
+              <a:ext uri="{FF2B5EF4-FFF2-40B4-BE49-F238E27FC236}">
+                <a16:creationId xmlns:a16="http://schemas.microsoft.com/office/drawing/2014/main" id="{D7182E44-B590-8946-AB19-688FBE7C50EF}"/>
+              </a:ext>
+            </a:extLst>
+          </p:cNvPr>
+          <p:cNvGraphicFramePr>
+            <a:graphicFrameLocks noGrp="1"/>
+          </p:cNvGraphicFramePr>
+          <p:nvPr>
+            <p:extLst>
+              <p:ext uri="{D42A27DB-BD31-4B8C-83A1-F6EECF244321}">
+                <p14:modId xmlns:p14="http://schemas.microsoft.com/office/powerpoint/2010/main" val="2818777787"/>
+              </p:ext>
+            </p:extLst>
+          </p:nvPr>
+        </p:nvGraphicFramePr>
+        <p:xfrm>
+          <a:off x="1196788" y="3159443"/>
+          <a:ext cx="4464423" cy="1483360"/>
+        </p:xfrm>
+        <a:graphic>
+          <a:graphicData uri="http://schemas.openxmlformats.org/drawingml/2006/table">
+            <a:tbl>
+              <a:tblPr firstRow="1" bandRow="1">
+                <a:tableStyleId>{5C22544A-7EE6-4342-B048-85BDC9FD1C3A}</a:tableStyleId>
+              </a:tblPr>
+              <a:tblGrid>
+                <a:gridCol w="1488141">
+                  <a:extLst>
+                    <a:ext uri="{9D8B030D-6E8A-4147-A177-3AD203B41FA5}">
+                      <a16:colId xmlns:a16="http://schemas.microsoft.com/office/drawing/2014/main" val="3463673177"/>
+                    </a:ext>
+                  </a:extLst>
+                </a:gridCol>
+                <a:gridCol w="1488141">
+                  <a:extLst>
+                    <a:ext uri="{9D8B030D-6E8A-4147-A177-3AD203B41FA5}">
+                      <a16:colId xmlns:a16="http://schemas.microsoft.com/office/drawing/2014/main" val="382414278"/>
+                    </a:ext>
+                  </a:extLst>
+                </a:gridCol>
+                <a:gridCol w="1488141">
+                  <a:extLst>
+                    <a:ext uri="{9D8B030D-6E8A-4147-A177-3AD203B41FA5}">
+                      <a16:colId xmlns:a16="http://schemas.microsoft.com/office/drawing/2014/main" val="876642300"/>
+                    </a:ext>
+                  </a:extLst>
+                </a:gridCol>
+              </a:tblGrid>
+              <a:tr h="370840">
+                <a:tc>
+                  <a:txBody>
+                    <a:bodyPr/>
+                    <a:lstStyle/>
+                    <a:p>
+                      <a:r>
+                        <a:rPr lang="en-US" dirty="0"/>
+                        <a:t>First Name</a:t>
+                      </a:r>
+                    </a:p>
+                  </a:txBody>
+                  <a:tcPr/>
+                </a:tc>
+                <a:tc>
+                  <a:txBody>
+                    <a:bodyPr/>
+                    <a:lstStyle/>
+                    <a:p>
+                      <a:r>
+                        <a:rPr lang="en-US" dirty="0"/>
+                        <a:t>Last Name</a:t>
+                      </a:r>
+                    </a:p>
+                  </a:txBody>
+                  <a:tcPr/>
+                </a:tc>
+                <a:tc>
+                  <a:txBody>
+                    <a:bodyPr/>
+                    <a:lstStyle/>
+                    <a:p>
+                      <a:r>
+                        <a:rPr lang="en-US" dirty="0"/>
+                        <a:t>Phone</a:t>
+                      </a:r>
+                    </a:p>
+                  </a:txBody>
+                  <a:tcPr/>
+                </a:tc>
+                <a:extLst>
+                  <a:ext uri="{0D108BD9-81ED-4DB2-BD59-A6C34878D82A}">
+                    <a16:rowId xmlns:a16="http://schemas.microsoft.com/office/drawing/2014/main" val="4037679736"/>
+                  </a:ext>
+                </a:extLst>
+              </a:tr>
+              <a:tr h="370840">
+                <a:tc>
+                  <a:txBody>
+                    <a:bodyPr/>
+                    <a:lstStyle/>
+                    <a:p>
+                      <a:r>
+                        <a:rPr lang="en-US" dirty="0"/>
+                        <a:t>Clyde</a:t>
+                      </a:r>
+                    </a:p>
+                  </a:txBody>
+                  <a:tcPr/>
+                </a:tc>
+                <a:tc>
+                  <a:txBody>
+                    <a:bodyPr/>
+                    <a:lstStyle/>
+                    <a:p>
+                      <a:r>
+                        <a:rPr lang="en-US" dirty="0"/>
+                        <a:t>Drexler</a:t>
+                      </a:r>
+                    </a:p>
+                  </a:txBody>
+                  <a:tcPr/>
+                </a:tc>
+                <a:tc>
+                  <a:txBody>
+                    <a:bodyPr/>
+                    <a:lstStyle/>
+                    <a:p>
+                      <a:r>
+                        <a:rPr lang="en-US" dirty="0"/>
+                        <a:t>456-789-1234</a:t>
+                      </a:r>
+                    </a:p>
+                  </a:txBody>
+                  <a:tcPr/>
+                </a:tc>
+                <a:extLst>
+                  <a:ext uri="{0D108BD9-81ED-4DB2-BD59-A6C34878D82A}">
+                    <a16:rowId xmlns:a16="http://schemas.microsoft.com/office/drawing/2014/main" val="2714366056"/>
+                  </a:ext>
+                </a:extLst>
+              </a:tr>
+              <a:tr h="370840">
+                <a:tc>
+                  <a:txBody>
+                    <a:bodyPr/>
+                    <a:lstStyle/>
+                    <a:p>
+                      <a:r>
+                        <a:rPr lang="en-US" dirty="0"/>
+                        <a:t>Satya</a:t>
+                      </a:r>
+                    </a:p>
+                  </a:txBody>
+                  <a:tcPr/>
+                </a:tc>
+                <a:tc>
+                  <a:txBody>
+                    <a:bodyPr/>
+                    <a:lstStyle/>
+                    <a:p>
+                      <a:r>
+                        <a:rPr lang="en-US" dirty="0"/>
+                        <a:t>Nadella</a:t>
+                      </a:r>
+                    </a:p>
+                  </a:txBody>
+                  <a:tcPr/>
+                </a:tc>
+                <a:tc>
+                  <a:txBody>
+                    <a:bodyPr/>
+                    <a:lstStyle/>
+                    <a:p>
+                      <a:r>
+                        <a:rPr lang="en-US" dirty="0"/>
+                        <a:t>567-891-2345</a:t>
+                      </a:r>
+                    </a:p>
+                  </a:txBody>
+                  <a:tcPr/>
+                </a:tc>
+                <a:extLst>
+                  <a:ext uri="{0D108BD9-81ED-4DB2-BD59-A6C34878D82A}">
+                    <a16:rowId xmlns:a16="http://schemas.microsoft.com/office/drawing/2014/main" val="1021840945"/>
+                  </a:ext>
+                </a:extLst>
+              </a:tr>
+              <a:tr h="370840">
+                <a:tc>
+                  <a:txBody>
+                    <a:bodyPr/>
+                    <a:lstStyle/>
+                    <a:p>
+                      <a:r>
+                        <a:rPr lang="en-US" dirty="0"/>
+                        <a:t>John</a:t>
+                      </a:r>
+                    </a:p>
+                  </a:txBody>
+                  <a:tcPr/>
+                </a:tc>
+                <a:tc>
+                  <a:txBody>
+                    <a:bodyPr/>
+                    <a:lstStyle/>
+                    <a:p>
+                      <a:r>
+                        <a:rPr lang="en-US" dirty="0"/>
+                        <a:t>Grisham</a:t>
+                      </a:r>
+                    </a:p>
+                  </a:txBody>
+                  <a:tcPr/>
+                </a:tc>
+                <a:tc>
+                  <a:txBody>
+                    <a:bodyPr/>
+                    <a:lstStyle/>
+                    <a:p>
+                      <a:r>
+                        <a:rPr lang="en-US" dirty="0"/>
+                        <a:t>678-912-3456</a:t>
+                      </a:r>
+                    </a:p>
+                  </a:txBody>
+                  <a:tcPr/>
+                </a:tc>
+                <a:extLst>
+                  <a:ext uri="{0D108BD9-81ED-4DB2-BD59-A6C34878D82A}">
+                    <a16:rowId xmlns:a16="http://schemas.microsoft.com/office/drawing/2014/main" val="3189302705"/>
+                  </a:ext>
+                </a:extLst>
+              </a:tr>
+            </a:tbl>
+          </a:graphicData>
+        </a:graphic>
+      </p:graphicFrame>
+      <p:sp>
+        <p:nvSpPr>
+          <p:cNvPr id="10" name="Bent-Up Arrow 9">
+            <a:extLst>
+              <a:ext uri="{FF2B5EF4-FFF2-40B4-BE49-F238E27FC236}">
+                <a16:creationId xmlns:a16="http://schemas.microsoft.com/office/drawing/2014/main" id="{4CAB5FDA-E88B-714B-9A7C-1C62F13084B7}"/>
+              </a:ext>
+            </a:extLst>
+          </p:cNvPr>
+          <p:cNvSpPr/>
+          <p:nvPr/>
+        </p:nvSpPr>
+        <p:spPr>
+          <a:xfrm rot="5400000">
+            <a:off x="2457245" y="4632925"/>
+            <a:ext cx="1741805" cy="1761566"/>
+          </a:xfrm>
+          <a:prstGeom prst="bentUpArrow">
+            <a:avLst/>
+          </a:prstGeom>
+        </p:spPr>
+        <p:style>
+          <a:lnRef idx="1">
+            <a:schemeClr val="accent1"/>
+          </a:lnRef>
+          <a:fillRef idx="3">
+            <a:schemeClr val="accent1"/>
+          </a:fillRef>
+          <a:effectRef idx="2">
+            <a:schemeClr val="accent1"/>
+          </a:effectRef>
+          <a:fontRef idx="minor">
+            <a:schemeClr val="lt1"/>
+          </a:fontRef>
+        </p:style>
+        <p:txBody>
+          <a:bodyPr rtlCol="0" anchor="ctr"/>
+          <a:lstStyle/>
+          <a:p>
+            <a:pPr algn="ctr"/>
+            <a:r>
+              <a:rPr lang="en-US" dirty="0"/>
+              <a:t>Adapter</a:t>
+            </a:r>
+          </a:p>
+        </p:txBody>
+      </p:sp>
+      <p:sp>
+        <p:nvSpPr>
+          <p:cNvPr id="11" name="TextBox 10">
+            <a:extLst>
+              <a:ext uri="{FF2B5EF4-FFF2-40B4-BE49-F238E27FC236}">
+                <a16:creationId xmlns:a16="http://schemas.microsoft.com/office/drawing/2014/main" id="{81AE75D7-2545-DC47-BC31-066000E24A39}"/>
+              </a:ext>
+            </a:extLst>
+          </p:cNvPr>
+          <p:cNvSpPr txBox="1"/>
+          <p:nvPr/>
+        </p:nvSpPr>
+        <p:spPr>
+          <a:xfrm>
+            <a:off x="1169894" y="2729753"/>
+            <a:ext cx="1277470" cy="369332"/>
+          </a:xfrm>
+          <a:prstGeom prst="rect">
+            <a:avLst/>
+          </a:prstGeom>
+          <a:noFill/>
+        </p:spPr>
+        <p:txBody>
+          <a:bodyPr wrap="square" rtlCol="0">
+            <a:spAutoFit/>
+          </a:bodyPr>
+          <a:lstStyle/>
+          <a:p>
+            <a:r>
+              <a:rPr lang="en-US" dirty="0"/>
+              <a:t>Cursor</a:t>
+            </a:r>
+          </a:p>
+        </p:txBody>
+      </p:sp>
+      <p:sp>
+        <p:nvSpPr>
+          <p:cNvPr id="12" name="TextBox 11">
+            <a:extLst>
+              <a:ext uri="{FF2B5EF4-FFF2-40B4-BE49-F238E27FC236}">
+                <a16:creationId xmlns:a16="http://schemas.microsoft.com/office/drawing/2014/main" id="{C578BBCB-4EE3-3A48-8A0E-E12710C2B67E}"/>
+              </a:ext>
+            </a:extLst>
+          </p:cNvPr>
+          <p:cNvSpPr txBox="1"/>
+          <p:nvPr/>
+        </p:nvSpPr>
+        <p:spPr>
+          <a:xfrm>
+            <a:off x="7628965" y="4633572"/>
+            <a:ext cx="1277470" cy="369332"/>
+          </a:xfrm>
+          <a:prstGeom prst="rect">
+            <a:avLst/>
+          </a:prstGeom>
+          <a:noFill/>
+        </p:spPr>
+        <p:txBody>
+          <a:bodyPr wrap="square" rtlCol="0">
+            <a:spAutoFit/>
+          </a:bodyPr>
+          <a:lstStyle/>
+          <a:p>
+            <a:r>
+              <a:rPr lang="en-US" dirty="0" err="1"/>
+              <a:t>ListView</a:t>
+            </a:r>
+            <a:endParaRPr lang="en-US" dirty="0"/>
+          </a:p>
+        </p:txBody>
+      </p:sp>
+    </p:spTree>
+    <p:extLst>
+      <p:ext uri="{BB962C8B-B14F-4D97-AF65-F5344CB8AC3E}">
+        <p14:creationId xmlns:p14="http://schemas.microsoft.com/office/powerpoint/2010/main" val="181852752"/>
+      </p:ext>
+    </p:extLst>
+  </p:cSld>
+  <p:clrMapOvr>
+    <a:masterClrMapping/>
+  </p:clrMapOvr>
+</p:sld>
+</file>
+
+<file path=ppt/slides/slide24.xml><?xml version="1.0" encoding="utf-8"?>
+<p:sld xmlns:a="http://schemas.openxmlformats.org/drawingml/2006/main" xmlns:r="http://schemas.openxmlformats.org/officeDocument/2006/relationships" xmlns:p="http://schemas.openxmlformats.org/presentationml/2006/main">
+  <p:cSld>
+    <p:spTree>
+      <p:nvGrpSpPr>
+        <p:cNvPr id="1" name=""/>
+        <p:cNvGrpSpPr/>
+        <p:nvPr/>
+      </p:nvGrpSpPr>
+      <p:grpSpPr>
+        <a:xfrm>
+          <a:off x="0" y="0"/>
+          <a:ext cx="0" cy="0"/>
+          <a:chOff x="0" y="0"/>
+          <a:chExt cx="0" cy="0"/>
+        </a:xfrm>
+      </p:grpSpPr>
+      <p:sp>
+        <p:nvSpPr>
+          <p:cNvPr id="2" name="Title 1"/>
+          <p:cNvSpPr>
+            <a:spLocks noGrp="1"/>
+          </p:cNvSpPr>
+          <p:nvPr>
+            <p:ph type="title"/>
+          </p:nvPr>
+        </p:nvSpPr>
+        <p:spPr>
+          <a:xfrm>
+            <a:off x="457200" y="274638"/>
+            <a:ext cx="8229600" cy="692385"/>
+          </a:xfrm>
+        </p:spPr>
+        <p:txBody>
+          <a:bodyPr>
+            <a:normAutofit fontScale="90000"/>
+          </a:bodyPr>
+          <a:lstStyle/>
+          <a:p>
+            <a:r>
+              <a:rPr lang="en-US" dirty="0" err="1">
+                <a:solidFill>
+                  <a:srgbClr val="0000FF"/>
+                </a:solidFill>
+              </a:rPr>
+              <a:t>SimpleCursorAdapter</a:t>
+            </a:r>
+            <a:r>
+              <a:rPr lang="en-US" dirty="0">
+                <a:solidFill>
+                  <a:srgbClr val="0000FF"/>
+                </a:solidFill>
+              </a:rPr>
+              <a:t> Constructor</a:t>
+            </a:r>
+          </a:p>
+        </p:txBody>
+      </p:sp>
+      <p:sp>
+        <p:nvSpPr>
+          <p:cNvPr id="3" name="Content Placeholder 2"/>
+          <p:cNvSpPr>
+            <a:spLocks noGrp="1"/>
+          </p:cNvSpPr>
+          <p:nvPr>
+            <p:ph idx="1"/>
+          </p:nvPr>
+        </p:nvSpPr>
+        <p:spPr>
+          <a:xfrm>
+            <a:off x="457199" y="1130135"/>
+            <a:ext cx="8350625" cy="5196293"/>
+          </a:xfrm>
+        </p:spPr>
+        <p:txBody>
+          <a:bodyPr>
+            <a:normAutofit fontScale="77500" lnSpcReduction="20000"/>
+          </a:bodyPr>
+          <a:lstStyle/>
+          <a:p>
+            <a:pPr marL="0" indent="0">
+              <a:buNone/>
+            </a:pPr>
+            <a:r>
+              <a:rPr lang="en-US" sz="3000" dirty="0">
+                <a:latin typeface="Courier" pitchFamily="2" charset="0"/>
+              </a:rPr>
+              <a:t>public </a:t>
+            </a:r>
+            <a:r>
+              <a:rPr lang="en-US" sz="3000" dirty="0" err="1">
+                <a:latin typeface="Courier" pitchFamily="2" charset="0"/>
+              </a:rPr>
+              <a:t>SimpleAdapter</a:t>
+            </a:r>
+            <a:r>
+              <a:rPr lang="en-US" sz="3000" dirty="0">
+                <a:latin typeface="Courier" pitchFamily="2" charset="0"/>
+              </a:rPr>
+              <a:t> (</a:t>
+            </a:r>
+          </a:p>
+          <a:p>
+            <a:pPr marL="0" indent="0">
+              <a:buNone/>
+            </a:pPr>
+            <a:r>
+              <a:rPr lang="en-US" sz="3000" dirty="0">
+                <a:latin typeface="Courier" pitchFamily="2" charset="0"/>
+              </a:rPr>
+              <a:t>  Context context, Cursor c,</a:t>
+            </a:r>
+          </a:p>
+          <a:p>
+            <a:pPr marL="0" indent="0">
+              <a:buNone/>
+            </a:pPr>
+            <a:r>
+              <a:rPr lang="en-US" sz="3000" dirty="0">
+                <a:latin typeface="Courier" pitchFamily="2" charset="0"/>
+              </a:rPr>
+              <a:t>  Int32 resource, </a:t>
+            </a:r>
+          </a:p>
+          <a:p>
+            <a:pPr marL="0" indent="0">
+              <a:buNone/>
+            </a:pPr>
+            <a:r>
+              <a:rPr lang="en-US" sz="3000" dirty="0">
+                <a:latin typeface="Courier" pitchFamily="2" charset="0"/>
+              </a:rPr>
+              <a:t>  String[] from, </a:t>
+            </a:r>
+            <a:r>
+              <a:rPr lang="en-US" sz="3000" dirty="0" err="1">
+                <a:latin typeface="Courier" pitchFamily="2" charset="0"/>
+              </a:rPr>
+              <a:t>Int</a:t>
+            </a:r>
+            <a:r>
+              <a:rPr lang="en-US" sz="3000" dirty="0">
+                <a:latin typeface="Courier" pitchFamily="2" charset="0"/>
+              </a:rPr>
+              <a:t>[] to,</a:t>
+            </a:r>
+          </a:p>
+          <a:p>
+            <a:pPr marL="0" indent="0">
+              <a:buNone/>
+            </a:pPr>
+            <a:r>
+              <a:rPr lang="en-US" sz="3000" dirty="0">
+                <a:latin typeface="Courier" pitchFamily="2" charset="0"/>
+              </a:rPr>
+              <a:t>  </a:t>
+            </a:r>
+            <a:r>
+              <a:rPr lang="en-US" sz="3000" dirty="0" err="1">
+                <a:latin typeface="Courier" pitchFamily="2" charset="0"/>
+              </a:rPr>
+              <a:t>Int</a:t>
+            </a:r>
+            <a:r>
+              <a:rPr lang="en-US" sz="3000" dirty="0">
+                <a:latin typeface="Courier" pitchFamily="2" charset="0"/>
+              </a:rPr>
+              <a:t> flags)</a:t>
+            </a:r>
+          </a:p>
+          <a:p>
+            <a:pPr marL="0" indent="0">
+              <a:buNone/>
+            </a:pPr>
+            <a:endParaRPr lang="en-US" i="1" dirty="0"/>
+          </a:p>
+          <a:p>
+            <a:r>
+              <a:rPr lang="en-US" sz="2800" i="1" dirty="0"/>
+              <a:t>context</a:t>
+            </a:r>
+            <a:r>
+              <a:rPr lang="en-US" sz="2800" dirty="0"/>
+              <a:t>: The host Activity context</a:t>
+            </a:r>
+          </a:p>
+          <a:p>
+            <a:r>
+              <a:rPr lang="en-US" sz="2800" i="1" dirty="0"/>
+              <a:t>data</a:t>
+            </a:r>
+            <a:r>
+              <a:rPr lang="en-US" sz="2800" dirty="0"/>
+              <a:t>: A List of any objects that extend Map</a:t>
+            </a:r>
+            <a:br>
+              <a:rPr lang="en-US" sz="2800" dirty="0"/>
+            </a:br>
+            <a:r>
+              <a:rPr lang="en-US" sz="2800" dirty="0"/>
+              <a:t>           The Map objects must have string keys, but any type values</a:t>
+            </a:r>
+          </a:p>
+          <a:p>
+            <a:r>
+              <a:rPr lang="en-US" sz="2800" i="1" dirty="0"/>
+              <a:t>resource</a:t>
+            </a:r>
+            <a:r>
+              <a:rPr lang="en-US" sz="2800" dirty="0"/>
+              <a:t>: ListView layout from </a:t>
+            </a:r>
+            <a:r>
+              <a:rPr lang="en-US" sz="2800" i="1" dirty="0" err="1"/>
+              <a:t>Android.Resource.Layout</a:t>
+            </a:r>
+            <a:endParaRPr lang="en-US" sz="2800" i="1" dirty="0"/>
+          </a:p>
+          <a:p>
+            <a:r>
+              <a:rPr lang="en-US" sz="2800" i="1" dirty="0"/>
+              <a:t>from</a:t>
+            </a:r>
+            <a:r>
+              <a:rPr lang="en-US" sz="2800" dirty="0"/>
+              <a:t>: Map keys for data source</a:t>
+            </a:r>
+          </a:p>
+          <a:p>
+            <a:r>
+              <a:rPr lang="en-US" sz="2800" i="1" dirty="0"/>
+              <a:t>to</a:t>
+            </a:r>
+            <a:r>
+              <a:rPr lang="en-US" sz="2800" dirty="0"/>
+              <a:t>: ListView widget IDs for displaying data</a:t>
+            </a:r>
+          </a:p>
+          <a:p>
+            <a:r>
+              <a:rPr lang="en-US" sz="2800" i="1" dirty="0"/>
+              <a:t>flags</a:t>
+            </a:r>
+            <a:r>
+              <a:rPr lang="en-US" sz="2800" dirty="0"/>
+              <a:t>: May be 0, or  </a:t>
+            </a:r>
+            <a:r>
+              <a:rPr lang="en-US" sz="2800" dirty="0">
+                <a:hlinkClick r:id="rId3"/>
+              </a:rPr>
+              <a:t>FLAG_REGISTER_CONTENT_OBSERVER</a:t>
+            </a:r>
+            <a:r>
+              <a:rPr lang="en-US" sz="2800" dirty="0"/>
+              <a:t>, which causes </a:t>
+            </a:r>
+            <a:r>
+              <a:rPr lang="en-US" sz="2800" dirty="0" err="1"/>
+              <a:t>onContentChanged</a:t>
+            </a:r>
+            <a:r>
+              <a:rPr lang="en-US" sz="2800" dirty="0"/>
+              <a:t>() to be called when a content change notification occurs</a:t>
+            </a:r>
+          </a:p>
+          <a:p>
+            <a:endParaRPr lang="en-US" dirty="0"/>
+          </a:p>
+        </p:txBody>
+      </p:sp>
+    </p:spTree>
+    <p:extLst>
+      <p:ext uri="{BB962C8B-B14F-4D97-AF65-F5344CB8AC3E}">
+        <p14:creationId xmlns:p14="http://schemas.microsoft.com/office/powerpoint/2010/main" val="3612191895"/>
+      </p:ext>
+    </p:extLst>
+  </p:cSld>
+  <p:clrMapOvr>
+    <a:masterClrMapping/>
+  </p:clrMapOvr>
+</p:sld>
+</file>
+
+<file path=ppt/slides/slide25.xml><?xml version="1.0" encoding="utf-8"?>
+<p:sld xmlns:a="http://schemas.openxmlformats.org/drawingml/2006/main" xmlns:r="http://schemas.openxmlformats.org/officeDocument/2006/relationships" xmlns:p="http://schemas.openxmlformats.org/presentationml/2006/main">
+  <p:cSld>
+    <p:spTree>
+      <p:nvGrpSpPr>
+        <p:cNvPr id="1" name=""/>
+        <p:cNvGrpSpPr/>
+        <p:nvPr/>
+      </p:nvGrpSpPr>
+      <p:grpSpPr>
+        <a:xfrm>
+          <a:off x="0" y="0"/>
+          <a:ext cx="0" cy="0"/>
+          <a:chOff x="0" y="0"/>
+          <a:chExt cx="0" cy="0"/>
+        </a:xfrm>
+      </p:grpSpPr>
+      <p:sp>
+        <p:nvSpPr>
+          <p:cNvPr id="2" name="Title 1"/>
+          <p:cNvSpPr>
+            <a:spLocks noGrp="1"/>
+          </p:cNvSpPr>
+          <p:nvPr>
+            <p:ph type="title"/>
+          </p:nvPr>
+        </p:nvSpPr>
+        <p:spPr>
+          <a:xfrm>
+            <a:off x="457200" y="274638"/>
+            <a:ext cx="8229600" cy="692385"/>
+          </a:xfrm>
+        </p:spPr>
+        <p:txBody>
+          <a:bodyPr>
+            <a:normAutofit fontScale="90000"/>
+          </a:bodyPr>
+          <a:lstStyle/>
+          <a:p>
+            <a:r>
+              <a:rPr lang="en-US" dirty="0">
+                <a:solidFill>
+                  <a:srgbClr val="0000FF"/>
+                </a:solidFill>
+              </a:rPr>
+              <a:t>Instantiating a </a:t>
+            </a:r>
+            <a:r>
+              <a:rPr lang="en-US" dirty="0" err="1">
+                <a:solidFill>
+                  <a:srgbClr val="0000FF"/>
+                </a:solidFill>
+              </a:rPr>
+              <a:t>SimpleCursorAdapter</a:t>
+            </a:r>
+            <a:r>
+              <a:rPr lang="en-US" dirty="0">
+                <a:solidFill>
+                  <a:srgbClr val="0000FF"/>
+                </a:solidFill>
+              </a:rPr>
+              <a:t> </a:t>
+            </a:r>
+          </a:p>
+        </p:txBody>
+      </p:sp>
+      <p:sp>
+        <p:nvSpPr>
+          <p:cNvPr id="3" name="Content Placeholder 2"/>
+          <p:cNvSpPr>
+            <a:spLocks noGrp="1"/>
+          </p:cNvSpPr>
+          <p:nvPr>
+            <p:ph idx="1"/>
+          </p:nvPr>
+        </p:nvSpPr>
+        <p:spPr>
+          <a:xfrm>
+            <a:off x="279651" y="1130135"/>
+            <a:ext cx="8715784" cy="5539606"/>
+          </a:xfrm>
+        </p:spPr>
+        <p:txBody>
+          <a:bodyPr>
+            <a:normAutofit fontScale="62500" lnSpcReduction="20000"/>
+          </a:bodyPr>
+          <a:lstStyle/>
+          <a:p>
+            <a:pPr marL="0" indent="0">
+              <a:buNone/>
+            </a:pPr>
+            <a:r>
+              <a:rPr lang="en-US" sz="3800" b="1" dirty="0"/>
+              <a:t>In an Activity’s </a:t>
+            </a:r>
+            <a:r>
+              <a:rPr lang="en-US" sz="3800" b="1" i="1" dirty="0"/>
+              <a:t>onCreate</a:t>
+            </a:r>
+            <a:r>
+              <a:rPr lang="en-US" sz="3800" b="1" dirty="0"/>
+              <a:t> method:</a:t>
+            </a:r>
+          </a:p>
+          <a:p>
+            <a:pPr marL="0" indent="0">
+              <a:buNone/>
+            </a:pPr>
+            <a:endParaRPr lang="en-US" sz="3800" b="1" dirty="0"/>
+          </a:p>
+          <a:p>
+            <a:pPr marL="0" indent="0">
+              <a:buNone/>
+            </a:pPr>
+            <a:r>
+              <a:rPr lang="en-US" i="1" dirty="0"/>
+              <a:t>// Do a database query</a:t>
+            </a:r>
+            <a:br>
+              <a:rPr lang="en-US" i="1" dirty="0"/>
+            </a:br>
+            <a:r>
+              <a:rPr lang="en-US" sz="3600" dirty="0"/>
+              <a:t>Cursor cursor = </a:t>
+            </a:r>
+            <a:r>
+              <a:rPr lang="en-US" sz="3600" dirty="0" err="1"/>
+              <a:t>db.rawQuery</a:t>
+            </a:r>
+            <a:r>
+              <a:rPr lang="en-US" sz="3600" dirty="0"/>
+              <a:t>(query, variables);</a:t>
+            </a:r>
+            <a:br>
+              <a:rPr lang="en-US" sz="3600" dirty="0"/>
+            </a:br>
+            <a:endParaRPr lang="en-US" sz="3600" dirty="0"/>
+          </a:p>
+          <a:p>
+            <a:pPr marL="0" indent="0">
+              <a:buNone/>
+            </a:pPr>
+            <a:r>
+              <a:rPr lang="en-US" sz="2900" i="1" dirty="0">
+                <a:latin typeface="Courier" pitchFamily="2" charset="0"/>
+              </a:rPr>
+              <a:t>// Create an adapter object</a:t>
+            </a:r>
+          </a:p>
+          <a:p>
+            <a:pPr marL="0" indent="0">
+              <a:buNone/>
+            </a:pPr>
+            <a:r>
+              <a:rPr lang="en-US" sz="3600" dirty="0">
+                <a:latin typeface="Courier" pitchFamily="2" charset="0"/>
+              </a:rPr>
+              <a:t>adapter = new </a:t>
+            </a:r>
+            <a:r>
+              <a:rPr lang="en-US" sz="3600" dirty="0" err="1">
+                <a:latin typeface="Courier" pitchFamily="2" charset="0"/>
+              </a:rPr>
+              <a:t>SimpleCursorAdapter</a:t>
+            </a:r>
+            <a:r>
+              <a:rPr lang="en-US" sz="3600" dirty="0">
+                <a:latin typeface="Courier" pitchFamily="2" charset="0"/>
+              </a:rPr>
+              <a:t>(</a:t>
+            </a:r>
+          </a:p>
+          <a:p>
+            <a:pPr marL="0" indent="0">
+              <a:buNone/>
+            </a:pPr>
+            <a:r>
+              <a:rPr lang="en-US" sz="3600" dirty="0">
+                <a:latin typeface="Courier" pitchFamily="2" charset="0"/>
+              </a:rPr>
+              <a:t>  this, </a:t>
+            </a:r>
+          </a:p>
+          <a:p>
+            <a:pPr marL="0" indent="0">
+              <a:buNone/>
+            </a:pPr>
+            <a:r>
+              <a:rPr lang="en-US" sz="3600" dirty="0">
+                <a:latin typeface="Courier" pitchFamily="2" charset="0"/>
+              </a:rPr>
+              <a:t>  </a:t>
+            </a:r>
+            <a:r>
+              <a:rPr lang="en-US" sz="3600" dirty="0" err="1">
+                <a:latin typeface="Courier" pitchFamily="2" charset="0"/>
+              </a:rPr>
+              <a:t>R.layout.listview_items</a:t>
+            </a:r>
+            <a:r>
+              <a:rPr lang="en-US" sz="3600" dirty="0">
+                <a:latin typeface="Courier" pitchFamily="2" charset="0"/>
+              </a:rPr>
+              <a:t>, </a:t>
+            </a:r>
+          </a:p>
+          <a:p>
+            <a:pPr marL="0" indent="0">
+              <a:buNone/>
+            </a:pPr>
+            <a:r>
+              <a:rPr lang="en-US" sz="3600" dirty="0">
+                <a:latin typeface="Courier" pitchFamily="2" charset="0"/>
+              </a:rPr>
+              <a:t>  cursor, </a:t>
+            </a:r>
+          </a:p>
+          <a:p>
+            <a:pPr marL="0" indent="0">
+              <a:buNone/>
+            </a:pPr>
+            <a:r>
+              <a:rPr lang="en-US" sz="3600" dirty="0">
+                <a:latin typeface="Courier" pitchFamily="2" charset="0"/>
+              </a:rPr>
+              <a:t>  new String[]{TITLE, IMAGE_ID, FCT_TEXT, POP},</a:t>
+            </a:r>
+          </a:p>
+          <a:p>
+            <a:pPr marL="0" indent="0">
+              <a:buNone/>
+            </a:pPr>
+            <a:r>
+              <a:rPr lang="en-US" sz="3600" dirty="0">
+                <a:latin typeface="Courier" pitchFamily="2" charset="0"/>
+              </a:rPr>
+              <a:t>  new </a:t>
+            </a:r>
+            <a:r>
+              <a:rPr lang="en-US" sz="3600" dirty="0" err="1">
+                <a:latin typeface="Courier" pitchFamily="2" charset="0"/>
+              </a:rPr>
+              <a:t>int</a:t>
+            </a:r>
+            <a:r>
+              <a:rPr lang="en-US" sz="3600" dirty="0">
+                <a:latin typeface="Courier" pitchFamily="2" charset="0"/>
+              </a:rPr>
+              <a:t>[]{</a:t>
+            </a:r>
+            <a:r>
+              <a:rPr lang="en-US" sz="3600" dirty="0" err="1">
+                <a:latin typeface="Courier" pitchFamily="2" charset="0"/>
+              </a:rPr>
+              <a:t>R.id.dateTextView</a:t>
+            </a:r>
+            <a:r>
+              <a:rPr lang="en-US" sz="3600" dirty="0">
+                <a:latin typeface="Courier" pitchFamily="2" charset="0"/>
+              </a:rPr>
+              <a:t>,</a:t>
+            </a:r>
+          </a:p>
+          <a:p>
+            <a:pPr marL="0" indent="0">
+              <a:buNone/>
+            </a:pPr>
+            <a:r>
+              <a:rPr lang="en-US" sz="3600" dirty="0">
+                <a:latin typeface="Courier" pitchFamily="2" charset="0"/>
+              </a:rPr>
+              <a:t>            </a:t>
+            </a:r>
+            <a:r>
+              <a:rPr lang="en-US" sz="3600" dirty="0" err="1">
+                <a:latin typeface="Courier" pitchFamily="2" charset="0"/>
+              </a:rPr>
+              <a:t>R.id.iconImageView</a:t>
+            </a:r>
+            <a:r>
+              <a:rPr lang="en-US" sz="3600" dirty="0">
+                <a:latin typeface="Courier" pitchFamily="2" charset="0"/>
+              </a:rPr>
+              <a:t>,</a:t>
+            </a:r>
+          </a:p>
+          <a:p>
+            <a:pPr marL="0" indent="0">
+              <a:buNone/>
+            </a:pPr>
+            <a:r>
+              <a:rPr lang="en-US" sz="3600" dirty="0">
+                <a:latin typeface="Courier" pitchFamily="2" charset="0"/>
+              </a:rPr>
+              <a:t>            </a:t>
+            </a:r>
+            <a:r>
+              <a:rPr lang="en-US" sz="3600" dirty="0" err="1">
+                <a:latin typeface="Courier" pitchFamily="2" charset="0"/>
+              </a:rPr>
+              <a:t>R.id.descriptionTextView</a:t>
+            </a:r>
+            <a:r>
+              <a:rPr lang="en-US" sz="3600" dirty="0">
+                <a:latin typeface="Courier" pitchFamily="2" charset="0"/>
+              </a:rPr>
+              <a:t>,</a:t>
+            </a:r>
+          </a:p>
+          <a:p>
+            <a:pPr marL="0" indent="0">
+              <a:buNone/>
+            </a:pPr>
+            <a:r>
+              <a:rPr lang="en-US" sz="3600" dirty="0">
+                <a:latin typeface="Courier" pitchFamily="2" charset="0"/>
+              </a:rPr>
+              <a:t>            </a:t>
+            </a:r>
+            <a:r>
+              <a:rPr lang="en-US" sz="3600" dirty="0" err="1">
+                <a:latin typeface="Courier" pitchFamily="2" charset="0"/>
+              </a:rPr>
+              <a:t>R.id.popTextView</a:t>
+            </a:r>
+            <a:r>
+              <a:rPr lang="en-US" sz="3600" dirty="0">
+                <a:latin typeface="Courier" pitchFamily="2" charset="0"/>
+              </a:rPr>
+              <a:t>	},</a:t>
+            </a:r>
+          </a:p>
+          <a:p>
+            <a:pPr marL="0" indent="0">
+              <a:buNone/>
+            </a:pPr>
+            <a:r>
+              <a:rPr lang="en-US" sz="3600" dirty="0">
+                <a:latin typeface="Courier" pitchFamily="2" charset="0"/>
+              </a:rPr>
+              <a:t>   0 );	</a:t>
+            </a:r>
+          </a:p>
+        </p:txBody>
+      </p:sp>
+    </p:spTree>
+    <p:extLst>
+      <p:ext uri="{BB962C8B-B14F-4D97-AF65-F5344CB8AC3E}">
+        <p14:creationId xmlns:p14="http://schemas.microsoft.com/office/powerpoint/2010/main" val="181278055"/>
+      </p:ext>
+    </p:extLst>
+  </p:cSld>
+  <p:clrMapOvr>
+    <a:masterClrMapping/>
+  </p:clrMapOvr>
+</p:sld>
+</file>
+
+<file path=ppt/slides/slide26.xml><?xml version="1.0" encoding="utf-8"?>
+<p:sld xmlns:a="http://schemas.openxmlformats.org/drawingml/2006/main" xmlns:r="http://schemas.openxmlformats.org/officeDocument/2006/relationships" xmlns:p="http://schemas.openxmlformats.org/presentationml/2006/main">
+  <p:cSld>
     <p:bg>
       <p:bgPr>
         <a:gradFill flip="none" rotWithShape="1">
@@ -7165,7 +10618,15 @@
             </a:r>
             <a:r>
               <a:rPr lang="en-US" dirty="0"/>
-              <a:t> class, look at the code that creates and sets the adapter.</a:t>
+              <a:t> class, look at the code that creates and sets the </a:t>
+            </a:r>
+            <a:r>
+              <a:rPr lang="en-US" dirty="0" err="1"/>
+              <a:t>SimpleAdapter</a:t>
+            </a:r>
+            <a:r>
+              <a:rPr lang="en-US" dirty="0"/>
+              <a:t>.</a:t>
             </a:r>
           </a:p>
         </p:txBody>
@@ -7183,7 +10644,7 @@
 </p:sld>
 </file>
 
-<file path=ppt/slides/slide21.xml><?xml version="1.0" encoding="utf-8"?>
+<file path=ppt/slides/slide27.xml><?xml version="1.0" encoding="utf-8"?>
 <p:sld xmlns:a="http://schemas.openxmlformats.org/drawingml/2006/main" xmlns:r="http://schemas.openxmlformats.org/officeDocument/2006/relationships" xmlns:p="http://schemas.openxmlformats.org/presentationml/2006/main">
   <p:cSld>
     <p:spTree>
@@ -7287,7 +10748,7 @@
               <a:pPr algn="r">
                 <a:defRPr/>
               </a:pPr>
-              <a:t>21</a:t>
+              <a:t>27</a:t>
             </a:fld>
             <a:endParaRPr lang="en-US" sz="900">
               <a:latin typeface="Arial Narrow" pitchFamily="34" charset="0"/>
@@ -7304,25 +10765,25 @@
           <p:nvPr>
             <p:extLst>
               <p:ext uri="{D42A27DB-BD31-4B8C-83A1-F6EECF244321}">
-                <p14:modId xmlns:p14="http://schemas.microsoft.com/office/powerpoint/2010/main" val="72184832"/>
+                <p14:modId xmlns:p14="http://schemas.microsoft.com/office/powerpoint/2010/main" val="3950513052"/>
               </p:ext>
             </p:extLst>
           </p:nvPr>
         </p:nvGraphicFramePr>
         <p:xfrm>
-          <a:off x="838200" y="685800"/>
-          <a:ext cx="7423337" cy="5319312"/>
+          <a:off x="841375" y="914400"/>
+          <a:ext cx="7416800" cy="4860925"/>
         </p:xfrm>
         <a:graphic>
           <a:graphicData uri="http://schemas.openxmlformats.org/presentationml/2006/ole">
             <mc:AlternateContent xmlns:mc="http://schemas.openxmlformats.org/markup-compatibility/2006">
               <mc:Choice xmlns:v="urn:schemas-microsoft-com:vml" Requires="v">
-                <p:oleObj spid="_x0000_s29730" name="Document" r:id="rId3" imgW="7423428" imgH="5323366" progId="Word.Document.12">
+                <p:oleObj spid="_x0000_s29747" name="Document" r:id="rId3" imgW="7416800" imgH="4864100" progId="Word.Document.12">
                   <p:embed/>
                 </p:oleObj>
               </mc:Choice>
               <mc:Fallback>
-                <p:oleObj name="Document" r:id="rId3" imgW="7423428" imgH="5323366" progId="Word.Document.12">
+                <p:oleObj name="Document" r:id="rId3" imgW="7416800" imgH="4864100" progId="Word.Document.12">
                   <p:embed/>
                   <p:pic>
                     <p:nvPicPr>
@@ -7338,8 +10799,8 @@
                     </p:blipFill>
                     <p:spPr>
                       <a:xfrm>
-                        <a:off x="838200" y="685800"/>
-                        <a:ext cx="7423337" cy="5319312"/>
+                        <a:off x="841375" y="914400"/>
+                        <a:ext cx="7416800" cy="4860925"/>
                       </a:xfrm>
                       <a:prstGeom prst="rect">
                         <a:avLst/>
@@ -7365,7 +10826,7 @@
 </p:sld>
 </file>
 
-<file path=ppt/slides/slide22.xml><?xml version="1.0" encoding="utf-8"?>
+<file path=ppt/slides/slide28.xml><?xml version="1.0" encoding="utf-8"?>
 <p:sld xmlns:a="http://schemas.openxmlformats.org/drawingml/2006/main" xmlns:r="http://schemas.openxmlformats.org/officeDocument/2006/relationships" xmlns:p="http://schemas.openxmlformats.org/presentationml/2006/main">
   <p:cSld>
     <p:spTree>
@@ -7469,7 +10930,7 @@
               <a:pPr algn="r">
                 <a:defRPr/>
               </a:pPr>
-              <a:t>22</a:t>
+              <a:t>28</a:t>
             </a:fld>
             <a:endParaRPr lang="en-US" sz="900">
               <a:latin typeface="Arial Narrow" pitchFamily="34" charset="0"/>
@@ -7499,7 +10960,7 @@
           <a:graphicData uri="http://schemas.openxmlformats.org/presentationml/2006/ole">
             <mc:AlternateContent xmlns:mc="http://schemas.openxmlformats.org/markup-compatibility/2006">
               <mc:Choice xmlns:v="urn:schemas-microsoft-com:vml" Requires="v">
-                <p:oleObj spid="_x0000_s31778" name="Document" r:id="rId3" imgW="6864202" imgH="4685182" progId="Word.Document.12">
+                <p:oleObj spid="_x0000_s31795" name="Document" r:id="rId3" imgW="6864202" imgH="4685182" progId="Word.Document.12">
                   <p:embed/>
                 </p:oleObj>
               </mc:Choice>
@@ -7547,7 +11008,7 @@
 </p:sld>
 </file>
 
-<file path=ppt/slides/slide23.xml><?xml version="1.0" encoding="utf-8"?>
+<file path=ppt/slides/slide29.xml><?xml version="1.0" encoding="utf-8"?>
 <p:sld xmlns:a="http://schemas.openxmlformats.org/drawingml/2006/main" xmlns:r="http://schemas.openxmlformats.org/officeDocument/2006/relationships" xmlns:p="http://schemas.openxmlformats.org/presentationml/2006/main">
   <p:cSld>
     <p:spTree>
@@ -7651,7 +11112,7 @@
               <a:pPr algn="r">
                 <a:defRPr/>
               </a:pPr>
-              <a:t>23</a:t>
+              <a:t>29</a:t>
             </a:fld>
             <a:endParaRPr lang="en-US" sz="900">
               <a:latin typeface="Arial Narrow" pitchFamily="34" charset="0"/>
@@ -7681,7 +11142,7 @@
           <a:graphicData uri="http://schemas.openxmlformats.org/presentationml/2006/ole">
             <mc:AlternateContent xmlns:mc="http://schemas.openxmlformats.org/markup-compatibility/2006">
               <mc:Choice xmlns:v="urn:schemas-microsoft-com:vml" Requires="v">
-                <p:oleObj spid="_x0000_s35866" name="Document" r:id="rId3" imgW="6864202" imgH="4073648" progId="Word.Document.12">
+                <p:oleObj spid="_x0000_s35883" name="Document" r:id="rId3" imgW="6864202" imgH="4073648" progId="Word.Document.12">
                   <p:embed/>
                 </p:oleObj>
               </mc:Choice>
@@ -7720,188 +11181,6 @@
     <p:extLst>
       <p:ext uri="{BB962C8B-B14F-4D97-AF65-F5344CB8AC3E}">
         <p14:creationId xmlns:p14="http://schemas.microsoft.com/office/powerpoint/2010/main" val="3110753224"/>
-      </p:ext>
-    </p:extLst>
-  </p:cSld>
-  <p:clrMapOvr>
-    <a:masterClrMapping/>
-  </p:clrMapOvr>
-</p:sld>
-</file>
-
-<file path=ppt/slides/slide24.xml><?xml version="1.0" encoding="utf-8"?>
-<p:sld xmlns:a="http://schemas.openxmlformats.org/drawingml/2006/main" xmlns:r="http://schemas.openxmlformats.org/officeDocument/2006/relationships" xmlns:p="http://schemas.openxmlformats.org/presentationml/2006/main">
-  <p:cSld>
-    <p:bg>
-      <p:bgPr>
-        <a:gradFill flip="none" rotWithShape="1">
-          <a:gsLst>
-            <a:gs pos="100000">
-              <a:schemeClr val="accent4"/>
-            </a:gs>
-            <a:gs pos="55000">
-              <a:schemeClr val="accent4">
-                <a:alpha val="30000"/>
-              </a:schemeClr>
-            </a:gs>
-          </a:gsLst>
-          <a:lin ang="5400000" scaled="0"/>
-          <a:tileRect/>
-        </a:gradFill>
-        <a:effectLst/>
-      </p:bgPr>
-    </p:bg>
-    <p:spTree>
-      <p:nvGrpSpPr>
-        <p:cNvPr id="1" name=""/>
-        <p:cNvGrpSpPr/>
-        <p:nvPr/>
-      </p:nvGrpSpPr>
-      <p:grpSpPr>
-        <a:xfrm>
-          <a:off x="0" y="0"/>
-          <a:ext cx="0" cy="0"/>
-          <a:chOff x="0" y="0"/>
-          <a:chExt cx="0" cy="0"/>
-        </a:xfrm>
-      </p:grpSpPr>
-      <p:sp>
-        <p:nvSpPr>
-          <p:cNvPr id="2" name="Title 1"/>
-          <p:cNvSpPr>
-            <a:spLocks noGrp="1"/>
-          </p:cNvSpPr>
-          <p:nvPr>
-            <p:ph type="title"/>
-          </p:nvPr>
-        </p:nvSpPr>
-        <p:spPr>
-          <a:xfrm>
-            <a:off x="457200" y="274638"/>
-            <a:ext cx="8229600" cy="672035"/>
-          </a:xfrm>
-        </p:spPr>
-        <p:txBody>
-          <a:bodyPr>
-            <a:normAutofit fontScale="90000"/>
-          </a:bodyPr>
-          <a:lstStyle/>
-          <a:p>
-            <a:r>
-              <a:rPr lang="en-US" dirty="0">
-                <a:solidFill>
-                  <a:srgbClr val="0000FF"/>
-                </a:solidFill>
-              </a:rPr>
-              <a:t>Further ListView Reading</a:t>
-            </a:r>
-          </a:p>
-        </p:txBody>
-      </p:sp>
-      <p:sp>
-        <p:nvSpPr>
-          <p:cNvPr id="3" name="Content Placeholder 2"/>
-          <p:cNvSpPr>
-            <a:spLocks noGrp="1"/>
-          </p:cNvSpPr>
-          <p:nvPr>
-            <p:ph idx="1"/>
-          </p:nvPr>
-        </p:nvSpPr>
-        <p:spPr>
-          <a:xfrm>
-            <a:off x="457200" y="1245198"/>
-            <a:ext cx="8229600" cy="4736054"/>
-          </a:xfrm>
-        </p:spPr>
-        <p:txBody>
-          <a:bodyPr>
-            <a:normAutofit fontScale="85000" lnSpcReduction="20000"/>
-          </a:bodyPr>
-          <a:lstStyle/>
-          <a:p>
-            <a:r>
-              <a:rPr lang="en-US" dirty="0"/>
-              <a:t>Using lists in Android (ListView) – Tutorial</a:t>
-            </a:r>
-          </a:p>
-          <a:p>
-            <a:pPr lvl="1"/>
-            <a:r>
-              <a:rPr lang="en-US" dirty="0"/>
-              <a:t>by Lars Vogel, 9/29/2015</a:t>
-            </a:r>
-          </a:p>
-          <a:p>
-            <a:pPr lvl="1"/>
-            <a:r>
-              <a:rPr lang="en-US" dirty="0">
-                <a:hlinkClick r:id="rId2"/>
-              </a:rPr>
-              <a:t>http://www.vogella.com/tutorials/AndroidListView/article.html#arrayAdapter</a:t>
-            </a:r>
-            <a:endParaRPr lang="en-US" dirty="0"/>
-          </a:p>
-          <a:p>
-            <a:r>
-              <a:rPr lang="en-US" dirty="0"/>
-              <a:t>Fast scroll and Section indexer tutorial</a:t>
-            </a:r>
-          </a:p>
-          <a:p>
-            <a:pPr lvl="1"/>
-            <a:r>
-              <a:rPr lang="en-US" dirty="0">
-                <a:hlinkClick r:id="rId3"/>
-              </a:rPr>
-              <a:t>http://androidopentutorials.com/android-listview-fastscroll</a:t>
-            </a:r>
-            <a:r>
-              <a:rPr lang="en-US" dirty="0"/>
-              <a:t> </a:t>
-            </a:r>
-          </a:p>
-          <a:p>
-            <a:r>
-              <a:rPr lang="en-US" dirty="0"/>
-              <a:t>Android Developers ListView Guide</a:t>
-            </a:r>
-          </a:p>
-          <a:p>
-            <a:pPr lvl="1"/>
-            <a:r>
-              <a:rPr lang="en-US" dirty="0">
-                <a:hlinkClick r:id="rId4"/>
-              </a:rPr>
-              <a:t>https://developer.android.com/guide/topics/ui/layout/listview.html</a:t>
-            </a:r>
-            <a:endParaRPr lang="en-US" dirty="0"/>
-          </a:p>
-          <a:p>
-            <a:r>
-              <a:rPr lang="en-US" dirty="0"/>
-              <a:t>Android Developers: Recycler View</a:t>
-            </a:r>
-          </a:p>
-          <a:p>
-            <a:pPr lvl="1"/>
-            <a:r>
-              <a:rPr lang="en-US" dirty="0">
-                <a:hlinkClick r:id="rId5"/>
-              </a:rPr>
-              <a:t>https://developer.android.com/guide/topics/ui/layout/recyclerview.html</a:t>
-            </a:r>
-            <a:r>
-              <a:rPr lang="en-US" dirty="0"/>
-              <a:t> </a:t>
-            </a:r>
-          </a:p>
-        </p:txBody>
-      </p:sp>
-    </p:spTree>
-    <p:extLst>
-      <p:ext uri="{BB962C8B-B14F-4D97-AF65-F5344CB8AC3E}">
-        <p14:creationId xmlns:p14="http://schemas.microsoft.com/office/powerpoint/2010/main" val="611984891"/>
       </p:ext>
     </p:extLst>
   </p:cSld>
@@ -8012,6 +11291,188 @@
     <p:extLst>
       <p:ext uri="{BB962C8B-B14F-4D97-AF65-F5344CB8AC3E}">
         <p14:creationId xmlns:p14="http://schemas.microsoft.com/office/powerpoint/2010/main" val="2122530289"/>
+      </p:ext>
+    </p:extLst>
+  </p:cSld>
+  <p:clrMapOvr>
+    <a:masterClrMapping/>
+  </p:clrMapOvr>
+</p:sld>
+</file>
+
+<file path=ppt/slides/slide30.xml><?xml version="1.0" encoding="utf-8"?>
+<p:sld xmlns:a="http://schemas.openxmlformats.org/drawingml/2006/main" xmlns:r="http://schemas.openxmlformats.org/officeDocument/2006/relationships" xmlns:p="http://schemas.openxmlformats.org/presentationml/2006/main">
+  <p:cSld>
+    <p:bg>
+      <p:bgPr>
+        <a:gradFill flip="none" rotWithShape="1">
+          <a:gsLst>
+            <a:gs pos="100000">
+              <a:schemeClr val="accent4"/>
+            </a:gs>
+            <a:gs pos="55000">
+              <a:schemeClr val="accent4">
+                <a:alpha val="30000"/>
+              </a:schemeClr>
+            </a:gs>
+          </a:gsLst>
+          <a:lin ang="5400000" scaled="0"/>
+          <a:tileRect/>
+        </a:gradFill>
+        <a:effectLst/>
+      </p:bgPr>
+    </p:bg>
+    <p:spTree>
+      <p:nvGrpSpPr>
+        <p:cNvPr id="1" name=""/>
+        <p:cNvGrpSpPr/>
+        <p:nvPr/>
+      </p:nvGrpSpPr>
+      <p:grpSpPr>
+        <a:xfrm>
+          <a:off x="0" y="0"/>
+          <a:ext cx="0" cy="0"/>
+          <a:chOff x="0" y="0"/>
+          <a:chExt cx="0" cy="0"/>
+        </a:xfrm>
+      </p:grpSpPr>
+      <p:sp>
+        <p:nvSpPr>
+          <p:cNvPr id="2" name="Title 1"/>
+          <p:cNvSpPr>
+            <a:spLocks noGrp="1"/>
+          </p:cNvSpPr>
+          <p:nvPr>
+            <p:ph type="title"/>
+          </p:nvPr>
+        </p:nvSpPr>
+        <p:spPr>
+          <a:xfrm>
+            <a:off x="457200" y="274638"/>
+            <a:ext cx="8229600" cy="672035"/>
+          </a:xfrm>
+        </p:spPr>
+        <p:txBody>
+          <a:bodyPr>
+            <a:normAutofit fontScale="90000"/>
+          </a:bodyPr>
+          <a:lstStyle/>
+          <a:p>
+            <a:r>
+              <a:rPr lang="en-US" dirty="0">
+                <a:solidFill>
+                  <a:srgbClr val="0000FF"/>
+                </a:solidFill>
+              </a:rPr>
+              <a:t>Further ListView Reading</a:t>
+            </a:r>
+          </a:p>
+        </p:txBody>
+      </p:sp>
+      <p:sp>
+        <p:nvSpPr>
+          <p:cNvPr id="3" name="Content Placeholder 2"/>
+          <p:cNvSpPr>
+            <a:spLocks noGrp="1"/>
+          </p:cNvSpPr>
+          <p:nvPr>
+            <p:ph idx="1"/>
+          </p:nvPr>
+        </p:nvSpPr>
+        <p:spPr>
+          <a:xfrm>
+            <a:off x="457200" y="1245198"/>
+            <a:ext cx="8229600" cy="4736054"/>
+          </a:xfrm>
+        </p:spPr>
+        <p:txBody>
+          <a:bodyPr>
+            <a:normAutofit fontScale="85000" lnSpcReduction="20000"/>
+          </a:bodyPr>
+          <a:lstStyle/>
+          <a:p>
+            <a:r>
+              <a:rPr lang="en-US" dirty="0"/>
+              <a:t>Using lists in Android (ListView) – Tutorial</a:t>
+            </a:r>
+          </a:p>
+          <a:p>
+            <a:pPr lvl="1"/>
+            <a:r>
+              <a:rPr lang="en-US" dirty="0"/>
+              <a:t>by Lars Vogel, 9/29/2015</a:t>
+            </a:r>
+          </a:p>
+          <a:p>
+            <a:pPr lvl="1"/>
+            <a:r>
+              <a:rPr lang="en-US" dirty="0">
+                <a:hlinkClick r:id="rId2"/>
+              </a:rPr>
+              <a:t>http://www.vogella.com/tutorials/AndroidListView/article.html#arrayAdapter</a:t>
+            </a:r>
+            <a:endParaRPr lang="en-US" dirty="0"/>
+          </a:p>
+          <a:p>
+            <a:r>
+              <a:rPr lang="en-US" dirty="0"/>
+              <a:t>Fast scroll and Section indexer tutorial</a:t>
+            </a:r>
+          </a:p>
+          <a:p>
+            <a:pPr lvl="1"/>
+            <a:r>
+              <a:rPr lang="en-US" dirty="0">
+                <a:hlinkClick r:id="rId3"/>
+              </a:rPr>
+              <a:t>http://androidopentutorials.com/android-listview-fastscroll</a:t>
+            </a:r>
+            <a:r>
+              <a:rPr lang="en-US" dirty="0"/>
+              <a:t> </a:t>
+            </a:r>
+          </a:p>
+          <a:p>
+            <a:r>
+              <a:rPr lang="en-US" dirty="0"/>
+              <a:t>Android Developers ListView Guide</a:t>
+            </a:r>
+          </a:p>
+          <a:p>
+            <a:pPr lvl="1"/>
+            <a:r>
+              <a:rPr lang="en-US" dirty="0">
+                <a:hlinkClick r:id="rId4"/>
+              </a:rPr>
+              <a:t>https://developer.android.com/guide/topics/ui/layout/listview.html</a:t>
+            </a:r>
+            <a:endParaRPr lang="en-US" dirty="0"/>
+          </a:p>
+          <a:p>
+            <a:r>
+              <a:rPr lang="en-US" dirty="0"/>
+              <a:t>Android Developers: Recycler View</a:t>
+            </a:r>
+          </a:p>
+          <a:p>
+            <a:pPr lvl="1"/>
+            <a:r>
+              <a:rPr lang="en-US" dirty="0">
+                <a:hlinkClick r:id="rId5"/>
+              </a:rPr>
+              <a:t>https://developer.android.com/guide/topics/ui/layout/recyclerview.html</a:t>
+            </a:r>
+            <a:r>
+              <a:rPr lang="en-US" dirty="0"/>
+              <a:t> </a:t>
+            </a:r>
+          </a:p>
+        </p:txBody>
+      </p:sp>
+    </p:spTree>
+    <p:extLst>
+      <p:ext uri="{BB962C8B-B14F-4D97-AF65-F5344CB8AC3E}">
+        <p14:creationId xmlns:p14="http://schemas.microsoft.com/office/powerpoint/2010/main" val="611984891"/>
       </p:ext>
     </p:extLst>
   </p:cSld>

--- a/NotesAndSlides/CIS399Wk3Day2-ListViews.pptx
+++ b/NotesAndSlides/CIS399Wk3Day2-ListViews.pptx
@@ -237,7 +237,7 @@
           <a:p>
             <a:fld id="{1FC32AA1-1225-9048-80C3-2B6F58548154}" type="datetimeFigureOut">
               <a:rPr lang="en-US" smtClean="0"/>
-              <a:t>7/12/18</a:t>
+              <a:t>7/13/18</a:t>
             </a:fld>
             <a:endParaRPr lang="en-US"/>
           </a:p>
@@ -659,66 +659,82 @@
           <a:bodyPr/>
           <a:lstStyle/>
           <a:p>
+            <a:pPr marL="0" marR="0" lvl="0" indent="0" algn="l" defTabSz="457200" rtl="0" eaLnBrk="1" fontAlgn="auto" latinLnBrk="0" hangingPunct="1">
+              <a:lnSpc>
+                <a:spcPct val="100000"/>
+              </a:lnSpc>
+              <a:spcBef>
+                <a:spcPts val="0"/>
+              </a:spcBef>
+              <a:spcAft>
+                <a:spcPts val="0"/>
+              </a:spcAft>
+              <a:buClrTx/>
+              <a:buSzTx/>
+              <a:buFontTx/>
+              <a:buNone/>
+              <a:tabLst/>
+              <a:defRPr/>
+            </a:pPr>
             <a:r>
               <a:rPr lang="en-US" dirty="0"/>
-              <a:t>https://</a:t>
-            </a:r>
-            <a:r>
-              <a:rPr lang="en-US" dirty="0" err="1"/>
-              <a:t>developer.android.com</a:t>
-            </a:r>
+              <a:t>Reference: </a:t>
+            </a:r>
+            <a:r>
+              <a:rPr lang="en-US" sz="1200" dirty="0">
+                <a:hlinkClick r:id="rId3"/>
+              </a:rPr>
+              <a:t>https://developer.android.com/reference/android/widget/SimpleAdapter.html#SimpleAdapter</a:t>
+            </a:r>
+            <a:r>
+              <a:rPr lang="en-US" sz="1200" dirty="0"/>
+              <a:t> </a:t>
+            </a:r>
+            <a:endParaRPr lang="en-US" dirty="0"/>
+          </a:p>
+          <a:p>
+            <a:pPr marL="0" marR="0" lvl="0" indent="0" algn="l" defTabSz="457200" rtl="0" eaLnBrk="1" fontAlgn="auto" latinLnBrk="0" hangingPunct="1">
+              <a:lnSpc>
+                <a:spcPct val="100000"/>
+              </a:lnSpc>
+              <a:spcBef>
+                <a:spcPts val="0"/>
+              </a:spcBef>
+              <a:spcAft>
+                <a:spcPts val="0"/>
+              </a:spcAft>
+              <a:buClrTx/>
+              <a:buSzTx/>
+              <a:buFontTx/>
+              <a:buNone/>
+              <a:tabLst/>
+              <a:defRPr/>
+            </a:pPr>
             <a:r>
               <a:rPr lang="en-US" dirty="0"/>
-              <a:t>/reference/android/widget/</a:t>
-            </a:r>
-            <a:r>
-              <a:rPr lang="en-US" dirty="0" err="1"/>
-              <a:t>SimpleAdapter.html#SimpleAdapter</a:t>
+              <a:t>Explanation of the </a:t>
+            </a:r>
+            <a:r>
+              <a:rPr lang="en-US" i="1" dirty="0"/>
+              <a:t>List&lt;? extends blah&gt; </a:t>
             </a:r>
             <a:r>
               <a:rPr lang="en-US" dirty="0"/>
-              <a:t>(</a:t>
-            </a:r>
-            <a:r>
-              <a:rPr lang="en-US" dirty="0" err="1"/>
-              <a:t>android.content.Context</a:t>
+              <a:t>declaration: </a:t>
+            </a:r>
+            <a:r>
+              <a:rPr lang="en-US" dirty="0">
+                <a:hlinkClick r:id="rId4"/>
+              </a:rPr>
+              <a:t>https://nofluffjuststuff.com/magazine/2016/09/time_to_really_learn_generics_a_java_8_perspective</a:t>
             </a:r>
             <a:r>
               <a:rPr lang="en-US" dirty="0"/>
-              <a:t>, </a:t>
-            </a:r>
-            <a:r>
-              <a:rPr lang="en-US" dirty="0" err="1"/>
-              <a:t>java.util.List</a:t>
-            </a:r>
-            <a:r>
-              <a:rPr lang="en-US" dirty="0"/>
-              <a:t>&lt;? extends </a:t>
-            </a:r>
-            <a:r>
-              <a:rPr lang="en-US" dirty="0" err="1"/>
-              <a:t>java.util.Map</a:t>
-            </a:r>
-            <a:r>
-              <a:rPr lang="en-US" dirty="0"/>
-              <a:t>&lt;</a:t>
-            </a:r>
-            <a:r>
-              <a:rPr lang="en-US" dirty="0" err="1"/>
-              <a:t>java.lang.String</a:t>
-            </a:r>
-            <a:r>
-              <a:rPr lang="en-US" dirty="0"/>
-              <a:t>, ?&gt;&gt;, int, </a:t>
-            </a:r>
-            <a:r>
-              <a:rPr lang="en-US" dirty="0" err="1"/>
-              <a:t>java.lang.String</a:t>
-            </a:r>
-            <a:r>
-              <a:rPr lang="en-US" dirty="0"/>
-              <a:t>[], int[])</a:t>
-            </a:r>
+              <a:t> </a:t>
+            </a:r>
+          </a:p>
+          <a:p>
+            <a:endParaRPr lang="en-US" dirty="0"/>
           </a:p>
         </p:txBody>
       </p:sp>
@@ -2090,32 +2106,40 @@
           <a:bodyPr/>
           <a:lstStyle/>
           <a:p>
+            <a:pPr marL="0" marR="0" lvl="0" indent="0" algn="l" defTabSz="457200" rtl="0" eaLnBrk="1" fontAlgn="auto" latinLnBrk="0" hangingPunct="1">
+              <a:lnSpc>
+                <a:spcPct val="100000"/>
+              </a:lnSpc>
+              <a:spcBef>
+                <a:spcPts val="0"/>
+              </a:spcBef>
+              <a:spcAft>
+                <a:spcPts val="0"/>
+              </a:spcAft>
+              <a:buClrTx/>
+              <a:buSzTx/>
+              <a:buFontTx/>
+              <a:buNone/>
+              <a:tabLst/>
+              <a:defRPr/>
+            </a:pPr>
             <a:r>
               <a:rPr lang="en-US" dirty="0"/>
               <a:t>Android Developers API</a:t>
             </a:r>
             <a:r>
               <a:rPr lang="en-US" baseline="0" dirty="0"/>
-              <a:t> documentation:</a:t>
-            </a:r>
-            <a:br>
-              <a:rPr lang="en-US" baseline="0" dirty="0"/>
-            </a:br>
-            <a:r>
-              <a:rPr lang="en-US" dirty="0"/>
-              <a:t>https://</a:t>
-            </a:r>
-            <a:r>
-              <a:rPr lang="en-US" dirty="0" err="1"/>
-              <a:t>developer.android.com</a:t>
-            </a:r>
-            <a:r>
-              <a:rPr lang="en-US" dirty="0"/>
-              <a:t>/reference/android/widget/</a:t>
-            </a:r>
-            <a:r>
-              <a:rPr lang="en-US" dirty="0" err="1"/>
-              <a:t>SimpleAdapter.html</a:t>
+              <a:t> documentation: </a:t>
+            </a:r>
+            <a:r>
+              <a:rPr lang="en-US" dirty="0">
+                <a:hlinkClick r:id="rId3"/>
+              </a:rPr>
+              <a:t>https://developer.android.com/reference/android/widget/SimpleAdapter.html</a:t>
+            </a:r>
+            <a:r>
+              <a:rPr lang="en-US"/>
+              <a:t> </a:t>
             </a:r>
             <a:endParaRPr lang="en-US" dirty="0"/>
           </a:p>
@@ -2336,7 +2360,7 @@
           <a:p>
             <a:fld id="{12110144-19AD-4D4E-902D-E18AF93089D3}" type="datetimeFigureOut">
               <a:rPr lang="en-US" smtClean="0"/>
-              <a:t>7/12/18</a:t>
+              <a:t>7/13/18</a:t>
             </a:fld>
             <a:endParaRPr lang="en-US"/>
           </a:p>
@@ -2504,7 +2528,7 @@
           <a:p>
             <a:fld id="{12110144-19AD-4D4E-902D-E18AF93089D3}" type="datetimeFigureOut">
               <a:rPr lang="en-US" smtClean="0"/>
-              <a:t>7/12/18</a:t>
+              <a:t>7/13/18</a:t>
             </a:fld>
             <a:endParaRPr lang="en-US"/>
           </a:p>
@@ -2682,7 +2706,7 @@
           <a:p>
             <a:fld id="{12110144-19AD-4D4E-902D-E18AF93089D3}" type="datetimeFigureOut">
               <a:rPr lang="en-US" smtClean="0"/>
-              <a:t>7/12/18</a:t>
+              <a:t>7/13/18</a:t>
             </a:fld>
             <a:endParaRPr lang="en-US"/>
           </a:p>
@@ -2850,7 +2874,7 @@
           <a:p>
             <a:fld id="{12110144-19AD-4D4E-902D-E18AF93089D3}" type="datetimeFigureOut">
               <a:rPr lang="en-US" smtClean="0"/>
-              <a:t>7/12/18</a:t>
+              <a:t>7/13/18</a:t>
             </a:fld>
             <a:endParaRPr lang="en-US"/>
           </a:p>
@@ -3095,7 +3119,7 @@
           <a:p>
             <a:fld id="{12110144-19AD-4D4E-902D-E18AF93089D3}" type="datetimeFigureOut">
               <a:rPr lang="en-US" smtClean="0"/>
-              <a:t>7/12/18</a:t>
+              <a:t>7/13/18</a:t>
             </a:fld>
             <a:endParaRPr lang="en-US"/>
           </a:p>
@@ -3380,7 +3404,7 @@
           <a:p>
             <a:fld id="{12110144-19AD-4D4E-902D-E18AF93089D3}" type="datetimeFigureOut">
               <a:rPr lang="en-US" smtClean="0"/>
-              <a:t>7/12/18</a:t>
+              <a:t>7/13/18</a:t>
             </a:fld>
             <a:endParaRPr lang="en-US"/>
           </a:p>
@@ -3799,7 +3823,7 @@
           <a:p>
             <a:fld id="{12110144-19AD-4D4E-902D-E18AF93089D3}" type="datetimeFigureOut">
               <a:rPr lang="en-US" smtClean="0"/>
-              <a:t>7/12/18</a:t>
+              <a:t>7/13/18</a:t>
             </a:fld>
             <a:endParaRPr lang="en-US"/>
           </a:p>
@@ -3916,7 +3940,7 @@
           <a:p>
             <a:fld id="{12110144-19AD-4D4E-902D-E18AF93089D3}" type="datetimeFigureOut">
               <a:rPr lang="en-US" smtClean="0"/>
-              <a:t>7/12/18</a:t>
+              <a:t>7/13/18</a:t>
             </a:fld>
             <a:endParaRPr lang="en-US"/>
           </a:p>
@@ -4011,7 +4035,7 @@
           <a:p>
             <a:fld id="{12110144-19AD-4D4E-902D-E18AF93089D3}" type="datetimeFigureOut">
               <a:rPr lang="en-US" smtClean="0"/>
-              <a:t>7/12/18</a:t>
+              <a:t>7/13/18</a:t>
             </a:fld>
             <a:endParaRPr lang="en-US"/>
           </a:p>
@@ -4286,7 +4310,7 @@
           <a:p>
             <a:fld id="{12110144-19AD-4D4E-902D-E18AF93089D3}" type="datetimeFigureOut">
               <a:rPr lang="en-US" smtClean="0"/>
-              <a:t>7/12/18</a:t>
+              <a:t>7/13/18</a:t>
             </a:fld>
             <a:endParaRPr lang="en-US"/>
           </a:p>
@@ -4538,7 +4562,7 @@
           <a:p>
             <a:fld id="{12110144-19AD-4D4E-902D-E18AF93089D3}" type="datetimeFigureOut">
               <a:rPr lang="en-US" smtClean="0"/>
-              <a:t>7/12/18</a:t>
+              <a:t>7/13/18</a:t>
             </a:fld>
             <a:endParaRPr lang="en-US"/>
           </a:p>
@@ -4767,7 +4791,7 @@
           <a:p>
             <a:fld id="{12110144-19AD-4D4E-902D-E18AF93089D3}" type="datetimeFigureOut">
               <a:rPr lang="en-US" smtClean="0"/>
-              <a:t>7/12/18</a:t>
+              <a:t>7/13/18</a:t>
             </a:fld>
             <a:endParaRPr lang="en-US"/>
           </a:p>
@@ -5679,7 +5703,7 @@
           <a:graphicData uri="http://schemas.openxmlformats.org/presentationml/2006/ole">
             <mc:AlternateContent xmlns:mc="http://schemas.openxmlformats.org/markup-compatibility/2006">
               <mc:Choice xmlns:v="urn:schemas-microsoft-com:vml" Requires="v">
-                <p:oleObj spid="_x0000_s24627" name="Document" r:id="rId3" imgW="7296144" imgH="1781401" progId="Word.Document.12">
+                <p:oleObj spid="_x0000_s24630" name="Document" r:id="rId3" imgW="7296144" imgH="1781401" progId="Word.Document.12">
                   <p:embed/>
                 </p:oleObj>
               </mc:Choice>
@@ -5861,7 +5885,7 @@
           <a:graphicData uri="http://schemas.openxmlformats.org/presentationml/2006/ole">
             <mc:AlternateContent xmlns:mc="http://schemas.openxmlformats.org/markup-compatibility/2006">
               <mc:Choice xmlns:v="urn:schemas-microsoft-com:vml" Requires="v">
-                <p:oleObj spid="_x0000_s1063" name="Document" r:id="rId3" imgW="6864202" imgH="5422047" progId="Word.Document.12">
+                <p:oleObj spid="_x0000_s1066" name="Document" r:id="rId3" imgW="6864202" imgH="5422047" progId="Word.Document.12">
                   <p:embed/>
                 </p:oleObj>
               </mc:Choice>
@@ -6043,7 +6067,7 @@
           <a:graphicData uri="http://schemas.openxmlformats.org/presentationml/2006/ole">
             <mc:AlternateContent xmlns:mc="http://schemas.openxmlformats.org/markup-compatibility/2006">
               <mc:Choice xmlns:v="urn:schemas-microsoft-com:vml" Requires="v">
-                <p:oleObj spid="_x0000_s36904" name="Document" r:id="rId3" imgW="6959600" imgH="1282700" progId="Word.Document.12">
+                <p:oleObj spid="_x0000_s36907" name="Document" r:id="rId3" imgW="6959600" imgH="1282700" progId="Word.Document.12">
                   <p:embed/>
                 </p:oleObj>
               </mc:Choice>
@@ -6699,7 +6723,7 @@
         </p:spPr>
         <p:txBody>
           <a:bodyPr>
-            <a:normAutofit lnSpcReduction="10000"/>
+            <a:normAutofit fontScale="92500" lnSpcReduction="10000"/>
           </a:bodyPr>
           <a:lstStyle/>
           <a:p>
@@ -6727,10 +6751,6 @@
               <a:rPr lang="en-US" dirty="0"/>
               <a:t>Each item is a Map object which contains all the data for the row</a:t>
             </a:r>
-          </a:p>
-          <a:p>
-            <a:pPr lvl="1"/>
-            <a:endParaRPr lang="en-US" dirty="0"/>
           </a:p>
           <a:p>
             <a:pPr marL="0" indent="0">
@@ -8397,9 +8417,6 @@
               <a:t>: ListView widget IDs for displaying data</a:t>
             </a:r>
           </a:p>
-          <a:p>
-            <a:endParaRPr lang="en-US" dirty="0"/>
-          </a:p>
         </p:txBody>
       </p:sp>
     </p:spTree>
@@ -10068,18 +10085,11 @@
           <a:p>
             <a:r>
               <a:rPr lang="en-US" sz="2800" i="1" dirty="0"/>
-              <a:t>data</a:t>
+              <a:t>c</a:t>
             </a:r>
             <a:r>
               <a:rPr lang="en-US" sz="2800" dirty="0"/>
-              <a:t>: A List of any objects that extend Map</a:t>
-            </a:r>
-            <a:br>
-              <a:rPr lang="en-US" sz="2800" dirty="0"/>
-            </a:br>
-            <a:r>
-              <a:rPr lang="en-US" sz="2800" dirty="0"/>
-              <a:t>           The Map objects must have string keys, but any type values</a:t>
+              <a:t>: a cursor which was obtained from a SQL database query</a:t>
             </a:r>
           </a:p>
           <a:p>
@@ -10104,8 +10114,13 @@
             </a:r>
             <a:r>
               <a:rPr lang="en-US" sz="2800" dirty="0"/>
-              <a:t>: Map keys for data source</a:t>
-            </a:r>
+              <a:t>: column (field) names from the cursor (same as </a:t>
+            </a:r>
+            <a:r>
+              <a:rPr lang="en-US" sz="2800"/>
+              <a:t>table columns)</a:t>
+            </a:r>
+            <a:endParaRPr lang="en-US" sz="2800" dirty="0"/>
           </a:p>
           <a:p>
             <a:r>
@@ -10778,7 +10793,7 @@
           <a:graphicData uri="http://schemas.openxmlformats.org/presentationml/2006/ole">
             <mc:AlternateContent xmlns:mc="http://schemas.openxmlformats.org/markup-compatibility/2006">
               <mc:Choice xmlns:v="urn:schemas-microsoft-com:vml" Requires="v">
-                <p:oleObj spid="_x0000_s29747" name="Document" r:id="rId3" imgW="7416800" imgH="4864100" progId="Word.Document.12">
+                <p:oleObj spid="_x0000_s29750" name="Document" r:id="rId3" imgW="7416800" imgH="4864100" progId="Word.Document.12">
                   <p:embed/>
                 </p:oleObj>
               </mc:Choice>
@@ -10960,7 +10975,7 @@
           <a:graphicData uri="http://schemas.openxmlformats.org/presentationml/2006/ole">
             <mc:AlternateContent xmlns:mc="http://schemas.openxmlformats.org/markup-compatibility/2006">
               <mc:Choice xmlns:v="urn:schemas-microsoft-com:vml" Requires="v">
-                <p:oleObj spid="_x0000_s31795" name="Document" r:id="rId3" imgW="6864202" imgH="4685182" progId="Word.Document.12">
+                <p:oleObj spid="_x0000_s31798" name="Document" r:id="rId3" imgW="6864202" imgH="4685182" progId="Word.Document.12">
                   <p:embed/>
                 </p:oleObj>
               </mc:Choice>
@@ -11142,7 +11157,7 @@
           <a:graphicData uri="http://schemas.openxmlformats.org/presentationml/2006/ole">
             <mc:AlternateContent xmlns:mc="http://schemas.openxmlformats.org/markup-compatibility/2006">
               <mc:Choice xmlns:v="urn:schemas-microsoft-com:vml" Requires="v">
-                <p:oleObj spid="_x0000_s35883" name="Document" r:id="rId3" imgW="6864202" imgH="4073648" progId="Word.Document.12">
+                <p:oleObj spid="_x0000_s35886" name="Document" r:id="rId3" imgW="6864202" imgH="4073648" progId="Word.Document.12">
                   <p:embed/>
                 </p:oleObj>
               </mc:Choice>

--- a/NotesAndSlides/CIS399Wk3Day2-ListViews.pptx
+++ b/NotesAndSlides/CIS399Wk3Day2-ListViews.pptx
@@ -237,7 +237,7 @@
           <a:p>
             <a:fld id="{1FC32AA1-1225-9048-80C3-2B6F58548154}" type="datetimeFigureOut">
               <a:rPr lang="en-US" smtClean="0"/>
-              <a:t>7/13/18</a:t>
+              <a:t>7/17/18</a:t>
             </a:fld>
             <a:endParaRPr lang="en-US"/>
           </a:p>
@@ -2360,7 +2360,7 @@
           <a:p>
             <a:fld id="{12110144-19AD-4D4E-902D-E18AF93089D3}" type="datetimeFigureOut">
               <a:rPr lang="en-US" smtClean="0"/>
-              <a:t>7/13/18</a:t>
+              <a:t>7/17/18</a:t>
             </a:fld>
             <a:endParaRPr lang="en-US"/>
           </a:p>
@@ -2528,7 +2528,7 @@
           <a:p>
             <a:fld id="{12110144-19AD-4D4E-902D-E18AF93089D3}" type="datetimeFigureOut">
               <a:rPr lang="en-US" smtClean="0"/>
-              <a:t>7/13/18</a:t>
+              <a:t>7/17/18</a:t>
             </a:fld>
             <a:endParaRPr lang="en-US"/>
           </a:p>
@@ -2706,7 +2706,7 @@
           <a:p>
             <a:fld id="{12110144-19AD-4D4E-902D-E18AF93089D3}" type="datetimeFigureOut">
               <a:rPr lang="en-US" smtClean="0"/>
-              <a:t>7/13/18</a:t>
+              <a:t>7/17/18</a:t>
             </a:fld>
             <a:endParaRPr lang="en-US"/>
           </a:p>
@@ -2874,7 +2874,7 @@
           <a:p>
             <a:fld id="{12110144-19AD-4D4E-902D-E18AF93089D3}" type="datetimeFigureOut">
               <a:rPr lang="en-US" smtClean="0"/>
-              <a:t>7/13/18</a:t>
+              <a:t>7/17/18</a:t>
             </a:fld>
             <a:endParaRPr lang="en-US"/>
           </a:p>
@@ -3119,7 +3119,7 @@
           <a:p>
             <a:fld id="{12110144-19AD-4D4E-902D-E18AF93089D3}" type="datetimeFigureOut">
               <a:rPr lang="en-US" smtClean="0"/>
-              <a:t>7/13/18</a:t>
+              <a:t>7/17/18</a:t>
             </a:fld>
             <a:endParaRPr lang="en-US"/>
           </a:p>
@@ -3404,7 +3404,7 @@
           <a:p>
             <a:fld id="{12110144-19AD-4D4E-902D-E18AF93089D3}" type="datetimeFigureOut">
               <a:rPr lang="en-US" smtClean="0"/>
-              <a:t>7/13/18</a:t>
+              <a:t>7/17/18</a:t>
             </a:fld>
             <a:endParaRPr lang="en-US"/>
           </a:p>
@@ -3823,7 +3823,7 @@
           <a:p>
             <a:fld id="{12110144-19AD-4D4E-902D-E18AF93089D3}" type="datetimeFigureOut">
               <a:rPr lang="en-US" smtClean="0"/>
-              <a:t>7/13/18</a:t>
+              <a:t>7/17/18</a:t>
             </a:fld>
             <a:endParaRPr lang="en-US"/>
           </a:p>
@@ -3940,7 +3940,7 @@
           <a:p>
             <a:fld id="{12110144-19AD-4D4E-902D-E18AF93089D3}" type="datetimeFigureOut">
               <a:rPr lang="en-US" smtClean="0"/>
-              <a:t>7/13/18</a:t>
+              <a:t>7/17/18</a:t>
             </a:fld>
             <a:endParaRPr lang="en-US"/>
           </a:p>
@@ -4035,7 +4035,7 @@
           <a:p>
             <a:fld id="{12110144-19AD-4D4E-902D-E18AF93089D3}" type="datetimeFigureOut">
               <a:rPr lang="en-US" smtClean="0"/>
-              <a:t>7/13/18</a:t>
+              <a:t>7/17/18</a:t>
             </a:fld>
             <a:endParaRPr lang="en-US"/>
           </a:p>
@@ -4310,7 +4310,7 @@
           <a:p>
             <a:fld id="{12110144-19AD-4D4E-902D-E18AF93089D3}" type="datetimeFigureOut">
               <a:rPr lang="en-US" smtClean="0"/>
-              <a:t>7/13/18</a:t>
+              <a:t>7/17/18</a:t>
             </a:fld>
             <a:endParaRPr lang="en-US"/>
           </a:p>
@@ -4562,7 +4562,7 @@
           <a:p>
             <a:fld id="{12110144-19AD-4D4E-902D-E18AF93089D3}" type="datetimeFigureOut">
               <a:rPr lang="en-US" smtClean="0"/>
-              <a:t>7/13/18</a:t>
+              <a:t>7/17/18</a:t>
             </a:fld>
             <a:endParaRPr lang="en-US"/>
           </a:p>
@@ -4791,7 +4791,7 @@
           <a:p>
             <a:fld id="{12110144-19AD-4D4E-902D-E18AF93089D3}" type="datetimeFigureOut">
               <a:rPr lang="en-US" smtClean="0"/>
-              <a:t>7/13/18</a:t>
+              <a:t>7/17/18</a:t>
             </a:fld>
             <a:endParaRPr lang="en-US"/>
           </a:p>
@@ -5703,7 +5703,7 @@
           <a:graphicData uri="http://schemas.openxmlformats.org/presentationml/2006/ole">
             <mc:AlternateContent xmlns:mc="http://schemas.openxmlformats.org/markup-compatibility/2006">
               <mc:Choice xmlns:v="urn:schemas-microsoft-com:vml" Requires="v">
-                <p:oleObj spid="_x0000_s24630" name="Document" r:id="rId3" imgW="7296144" imgH="1781401" progId="Word.Document.12">
+                <p:oleObj spid="_x0000_s24633" name="Document" r:id="rId3" imgW="7296144" imgH="1781401" progId="Word.Document.12">
                   <p:embed/>
                 </p:oleObj>
               </mc:Choice>
@@ -5885,7 +5885,7 @@
           <a:graphicData uri="http://schemas.openxmlformats.org/presentationml/2006/ole">
             <mc:AlternateContent xmlns:mc="http://schemas.openxmlformats.org/markup-compatibility/2006">
               <mc:Choice xmlns:v="urn:schemas-microsoft-com:vml" Requires="v">
-                <p:oleObj spid="_x0000_s1066" name="Document" r:id="rId3" imgW="6864202" imgH="5422047" progId="Word.Document.12">
+                <p:oleObj spid="_x0000_s1069" name="Document" r:id="rId3" imgW="6864202" imgH="5422047" progId="Word.Document.12">
                   <p:embed/>
                 </p:oleObj>
               </mc:Choice>
@@ -6067,7 +6067,7 @@
           <a:graphicData uri="http://schemas.openxmlformats.org/presentationml/2006/ole">
             <mc:AlternateContent xmlns:mc="http://schemas.openxmlformats.org/markup-compatibility/2006">
               <mc:Choice xmlns:v="urn:schemas-microsoft-com:vml" Requires="v">
-                <p:oleObj spid="_x0000_s36907" name="Document" r:id="rId3" imgW="6959600" imgH="1282700" progId="Word.Document.12">
+                <p:oleObj spid="_x0000_s36910" name="Document" r:id="rId3" imgW="6959600" imgH="1282700" progId="Word.Document.12">
                   <p:embed/>
                 </p:oleObj>
               </mc:Choice>
@@ -10793,7 +10793,7 @@
           <a:graphicData uri="http://schemas.openxmlformats.org/presentationml/2006/ole">
             <mc:AlternateContent xmlns:mc="http://schemas.openxmlformats.org/markup-compatibility/2006">
               <mc:Choice xmlns:v="urn:schemas-microsoft-com:vml" Requires="v">
-                <p:oleObj spid="_x0000_s29750" name="Document" r:id="rId3" imgW="7416800" imgH="4864100" progId="Word.Document.12">
+                <p:oleObj spid="_x0000_s29753" name="Document" r:id="rId3" imgW="7416800" imgH="4864100" progId="Word.Document.12">
                   <p:embed/>
                 </p:oleObj>
               </mc:Choice>
@@ -10975,7 +10975,7 @@
           <a:graphicData uri="http://schemas.openxmlformats.org/presentationml/2006/ole">
             <mc:AlternateContent xmlns:mc="http://schemas.openxmlformats.org/markup-compatibility/2006">
               <mc:Choice xmlns:v="urn:schemas-microsoft-com:vml" Requires="v">
-                <p:oleObj spid="_x0000_s31798" name="Document" r:id="rId3" imgW="6864202" imgH="4685182" progId="Word.Document.12">
+                <p:oleObj spid="_x0000_s31801" name="Document" r:id="rId3" imgW="6864202" imgH="4685182" progId="Word.Document.12">
                   <p:embed/>
                 </p:oleObj>
               </mc:Choice>
@@ -11157,7 +11157,7 @@
           <a:graphicData uri="http://schemas.openxmlformats.org/presentationml/2006/ole">
             <mc:AlternateContent xmlns:mc="http://schemas.openxmlformats.org/markup-compatibility/2006">
               <mc:Choice xmlns:v="urn:schemas-microsoft-com:vml" Requires="v">
-                <p:oleObj spid="_x0000_s35886" name="Document" r:id="rId3" imgW="6864202" imgH="4073648" progId="Word.Document.12">
+                <p:oleObj spid="_x0000_s35889" name="Document" r:id="rId3" imgW="6864202" imgH="4073648" progId="Word.Document.12">
                   <p:embed/>
                 </p:oleObj>
               </mc:Choice>
@@ -11793,7 +11793,7 @@
             </a:r>
             <a:r>
               <a:rPr lang="en-US" i="1" dirty="0" err="1"/>
-              <a:t>R.layout</a:t>
+              <a:t>android.R.layout</a:t>
             </a:r>
             <a:r>
               <a:rPr lang="en-US" dirty="0"/>
